--- a/Handouts/Handouts-Motor_USR_Servo_IR.pptx
+++ b/Handouts/Handouts-Motor_USR_Servo_IR.pptx
@@ -6558,7 +6558,7 @@
         <p:spPr>
           <a:xfrm>
             <a:off x="90015" y="6802172"/>
-            <a:ext cx="1599745" cy="707886"/>
+            <a:ext cx="2084302" cy="707886"/>
           </a:xfrm>
           <a:prstGeom prst="rect">
             <a:avLst/>
@@ -6577,12 +6577,107 @@
           <a:lstStyle/>
           <a:p>
             <a:r>
+              <a:rPr lang="de-DE" sz="1000" dirty="0"/>
+              <a:t>*</a:t>
+            </a:r>
+            <a:r>
               <a:rPr lang="de-DE" sz="1000" b="1" dirty="0"/>
-              <a:t>Hinweis: </a:t>
+              <a:t> </a:t>
             </a:r>
             <a:r>
               <a:rPr lang="de-DE" sz="1000" dirty="0"/>
-              <a:t>Durch das Loch passen M3 Schrauben um den Sensor an einem Roboter zu montieren. </a:t>
+              <a:t>Mit einem kleinen Schraubendreher kann am Potentiometer die Empfindlichkeit eingestellt werden.</a:t>
+            </a:r>
+          </a:p>
+        </p:txBody>
+      </p:sp>
+      <p:sp>
+        <p:nvSpPr>
+          <p:cNvPr id="6" name="Ellipse 5">
+            <a:extLst>
+              <a:ext uri="{FF2B5EF4-FFF2-40B4-BE49-F238E27FC236}">
+                <a16:creationId xmlns:a16="http://schemas.microsoft.com/office/drawing/2014/main" id="{C288F466-9D1E-4DA9-BFF4-3F59AF6DB5B3}"/>
+              </a:ext>
+            </a:extLst>
+          </p:cNvPr>
+          <p:cNvSpPr/>
+          <p:nvPr/>
+        </p:nvSpPr>
+        <p:spPr>
+          <a:xfrm>
+            <a:off x="3251910" y="846743"/>
+            <a:ext cx="414926" cy="354684"/>
+          </a:xfrm>
+          <a:prstGeom prst="ellipse">
+            <a:avLst/>
+          </a:prstGeom>
+          <a:noFill/>
+          <a:ln w="19050">
+            <a:solidFill>
+              <a:srgbClr val="FF0000"/>
+            </a:solidFill>
+          </a:ln>
+        </p:spPr>
+        <p:style>
+          <a:lnRef idx="2">
+            <a:schemeClr val="accent1">
+              <a:shade val="50000"/>
+            </a:schemeClr>
+          </a:lnRef>
+          <a:fillRef idx="1">
+            <a:schemeClr val="accent1"/>
+          </a:fillRef>
+          <a:effectRef idx="0">
+            <a:schemeClr val="accent1"/>
+          </a:effectRef>
+          <a:fontRef idx="minor">
+            <a:schemeClr val="lt1"/>
+          </a:fontRef>
+        </p:style>
+        <p:txBody>
+          <a:bodyPr rtlCol="0" anchor="ctr"/>
+          <a:lstStyle/>
+          <a:p>
+            <a:pPr algn="ctr"/>
+            <a:endParaRPr lang="de-DE"/>
+          </a:p>
+        </p:txBody>
+      </p:sp>
+      <p:sp>
+        <p:nvSpPr>
+          <p:cNvPr id="7" name="Textfeld 6">
+            <a:extLst>
+              <a:ext uri="{FF2B5EF4-FFF2-40B4-BE49-F238E27FC236}">
+                <a16:creationId xmlns:a16="http://schemas.microsoft.com/office/drawing/2014/main" id="{997BCF5B-2CFE-4614-8A04-77CBA0F59E79}"/>
+              </a:ext>
+            </a:extLst>
+          </p:cNvPr>
+          <p:cNvSpPr txBox="1"/>
+          <p:nvPr/>
+        </p:nvSpPr>
+        <p:spPr>
+          <a:xfrm>
+            <a:off x="3502356" y="698761"/>
+            <a:ext cx="295564" cy="305340"/>
+          </a:xfrm>
+          <a:prstGeom prst="rect">
+            <a:avLst/>
+          </a:prstGeom>
+          <a:noFill/>
+        </p:spPr>
+        <p:txBody>
+          <a:bodyPr wrap="square" rtlCol="0">
+            <a:spAutoFit/>
+          </a:bodyPr>
+          <a:lstStyle/>
+          <a:p>
+            <a:r>
+              <a:rPr lang="de-DE" dirty="0">
+                <a:solidFill>
+                  <a:srgbClr val="FF0000"/>
+                </a:solidFill>
+              </a:rPr>
+              <a:t>*</a:t>
             </a:r>
           </a:p>
         </p:txBody>

--- a/Handouts/Handouts-Motor_USR_Servo_IR.pptx
+++ b/Handouts/Handouts-Motor_USR_Servo_IR.pptx
@@ -5,14 +5,15 @@
     <p:sldMasterId id="2147483672" r:id="rId1"/>
   </p:sldMasterIdLst>
   <p:handoutMasterIdLst>
-    <p:handoutMasterId r:id="rId7"/>
+    <p:handoutMasterId r:id="rId8"/>
   </p:handoutMasterIdLst>
   <p:sldIdLst>
     <p:sldId id="257" r:id="rId2"/>
     <p:sldId id="256" r:id="rId3"/>
     <p:sldId id="260" r:id="rId4"/>
     <p:sldId id="258" r:id="rId5"/>
-    <p:sldId id="259" r:id="rId6"/>
+    <p:sldId id="261" r:id="rId6"/>
+    <p:sldId id="259" r:id="rId7"/>
   </p:sldIdLst>
   <p:sldSz cx="5327650" cy="7559675"/>
   <p:notesSz cx="6858000" cy="9144000"/>
@@ -204,7 +205,7 @@
           <a:p>
             <a:fld id="{EBF56900-53CD-4F05-8A09-57F6FC314F09}" type="datetimeFigureOut">
               <a:rPr lang="de-DE" smtClean="0"/>
-              <a:t>14.01.2020</a:t>
+              <a:t>10.02.2020</a:t>
             </a:fld>
             <a:endParaRPr lang="de-DE"/>
           </a:p>
@@ -1083,7 +1084,7 @@
           <a:p>
             <a:fld id="{6EC89F69-2EBA-4449-A568-4BDE987D048B}" type="datetimeFigureOut">
               <a:rPr lang="de-DE" smtClean="0"/>
-              <a:t>14.01.2020</a:t>
+              <a:t>10.02.2020</a:t>
             </a:fld>
             <a:endParaRPr lang="de-DE"/>
           </a:p>
@@ -1253,7 +1254,7 @@
           <a:p>
             <a:fld id="{6EC89F69-2EBA-4449-A568-4BDE987D048B}" type="datetimeFigureOut">
               <a:rPr lang="de-DE" smtClean="0"/>
-              <a:t>14.01.2020</a:t>
+              <a:t>10.02.2020</a:t>
             </a:fld>
             <a:endParaRPr lang="de-DE"/>
           </a:p>
@@ -1433,7 +1434,7 @@
           <a:p>
             <a:fld id="{6EC89F69-2EBA-4449-A568-4BDE987D048B}" type="datetimeFigureOut">
               <a:rPr lang="de-DE" smtClean="0"/>
-              <a:t>14.01.2020</a:t>
+              <a:t>10.02.2020</a:t>
             </a:fld>
             <a:endParaRPr lang="de-DE"/>
           </a:p>
@@ -1625,7 +1626,7 @@
           <a:p>
             <a:fld id="{6EC89F69-2EBA-4449-A568-4BDE987D048B}" type="datetimeFigureOut">
               <a:rPr lang="de-DE" smtClean="0"/>
-              <a:t>14.01.2020</a:t>
+              <a:t>10.02.2020</a:t>
             </a:fld>
             <a:endParaRPr lang="de-DE"/>
           </a:p>
@@ -1828,7 +1829,7 @@
           <a:p>
             <a:fld id="{6EC89F69-2EBA-4449-A568-4BDE987D048B}" type="datetimeFigureOut">
               <a:rPr lang="de-DE" smtClean="0"/>
-              <a:t>14.01.2020</a:t>
+              <a:t>10.02.2020</a:t>
             </a:fld>
             <a:endParaRPr lang="de-DE"/>
           </a:p>
@@ -2072,7 +2073,7 @@
           <a:p>
             <a:fld id="{6EC89F69-2EBA-4449-A568-4BDE987D048B}" type="datetimeFigureOut">
               <a:rPr lang="de-DE" smtClean="0"/>
-              <a:t>14.01.2020</a:t>
+              <a:t>10.02.2020</a:t>
             </a:fld>
             <a:endParaRPr lang="de-DE"/>
           </a:p>
@@ -2304,7 +2305,7 @@
           <a:p>
             <a:fld id="{6EC89F69-2EBA-4449-A568-4BDE987D048B}" type="datetimeFigureOut">
               <a:rPr lang="de-DE" smtClean="0"/>
-              <a:t>14.01.2020</a:t>
+              <a:t>10.02.2020</a:t>
             </a:fld>
             <a:endParaRPr lang="de-DE"/>
           </a:p>
@@ -2671,7 +2672,7 @@
           <a:p>
             <a:fld id="{6EC89F69-2EBA-4449-A568-4BDE987D048B}" type="datetimeFigureOut">
               <a:rPr lang="de-DE" smtClean="0"/>
-              <a:t>14.01.2020</a:t>
+              <a:t>10.02.2020</a:t>
             </a:fld>
             <a:endParaRPr lang="de-DE"/>
           </a:p>
@@ -2789,7 +2790,7 @@
           <a:p>
             <a:fld id="{6EC89F69-2EBA-4449-A568-4BDE987D048B}" type="datetimeFigureOut">
               <a:rPr lang="de-DE" smtClean="0"/>
-              <a:t>14.01.2020</a:t>
+              <a:t>10.02.2020</a:t>
             </a:fld>
             <a:endParaRPr lang="de-DE"/>
           </a:p>
@@ -2884,7 +2885,7 @@
           <a:p>
             <a:fld id="{6EC89F69-2EBA-4449-A568-4BDE987D048B}" type="datetimeFigureOut">
               <a:rPr lang="de-DE" smtClean="0"/>
-              <a:t>14.01.2020</a:t>
+              <a:t>10.02.2020</a:t>
             </a:fld>
             <a:endParaRPr lang="de-DE"/>
           </a:p>
@@ -3161,7 +3162,7 @@
           <a:p>
             <a:fld id="{6EC89F69-2EBA-4449-A568-4BDE987D048B}" type="datetimeFigureOut">
               <a:rPr lang="de-DE" smtClean="0"/>
-              <a:t>14.01.2020</a:t>
+              <a:t>10.02.2020</a:t>
             </a:fld>
             <a:endParaRPr lang="de-DE"/>
           </a:p>
@@ -3374,7 +3375,7 @@
           <a:p>
             <a:fld id="{6EC89F69-2EBA-4449-A568-4BDE987D048B}" type="datetimeFigureOut">
               <a:rPr lang="de-DE" smtClean="0"/>
-              <a:t>14.01.2020</a:t>
+              <a:t>10.02.2020</a:t>
             </a:fld>
             <a:endParaRPr lang="de-DE"/>
           </a:p>
@@ -5716,7 +5717,7 @@
         </p:nvSpPr>
         <p:spPr>
           <a:xfrm>
-            <a:off x="277172" y="3929761"/>
+            <a:off x="146049" y="4011456"/>
             <a:ext cx="2505235" cy="1477328"/>
           </a:xfrm>
           <a:prstGeom prst="rect">
@@ -7833,6 +7834,2613 @@
 </file>
 
 <file path=ppt/slides/slide5.xml><?xml version="1.0" encoding="utf-8"?>
+<p:sld xmlns:a="http://schemas.openxmlformats.org/drawingml/2006/main" xmlns:r="http://schemas.openxmlformats.org/officeDocument/2006/relationships" xmlns:p="http://schemas.openxmlformats.org/presentationml/2006/main">
+  <p:cSld>
+    <p:spTree>
+      <p:nvGrpSpPr>
+        <p:cNvPr id="1" name=""/>
+        <p:cNvGrpSpPr/>
+        <p:nvPr/>
+      </p:nvGrpSpPr>
+      <p:grpSpPr>
+        <a:xfrm>
+          <a:off x="0" y="0"/>
+          <a:ext cx="0" cy="0"/>
+          <a:chOff x="0" y="0"/>
+          <a:chExt cx="0" cy="0"/>
+        </a:xfrm>
+      </p:grpSpPr>
+      <p:sp>
+        <p:nvSpPr>
+          <p:cNvPr id="90" name="Textfeld 89">
+            <a:extLst>
+              <a:ext uri="{FF2B5EF4-FFF2-40B4-BE49-F238E27FC236}">
+                <a16:creationId xmlns:a16="http://schemas.microsoft.com/office/drawing/2014/main" id="{A5147B69-71AA-4F80-8507-5542A9138A48}"/>
+              </a:ext>
+            </a:extLst>
+          </p:cNvPr>
+          <p:cNvSpPr txBox="1"/>
+          <p:nvPr/>
+        </p:nvSpPr>
+        <p:spPr>
+          <a:xfrm>
+            <a:off x="0" y="1986338"/>
+            <a:ext cx="2456174" cy="1785104"/>
+          </a:xfrm>
+          <a:prstGeom prst="rect">
+            <a:avLst/>
+          </a:prstGeom>
+          <a:noFill/>
+        </p:spPr>
+        <p:txBody>
+          <a:bodyPr wrap="square" rtlCol="0">
+            <a:spAutoFit/>
+          </a:bodyPr>
+          <a:lstStyle/>
+          <a:p>
+            <a:r>
+              <a:rPr lang="de-DE" sz="1000" dirty="0"/>
+              <a:t>Auf den </a:t>
+            </a:r>
+            <a:r>
+              <a:rPr lang="de-DE" sz="1000" dirty="0" err="1"/>
+              <a:t>Motorshield‘s</a:t>
+            </a:r>
+            <a:r>
+              <a:rPr lang="de-DE" sz="1000" dirty="0"/>
+              <a:t> sind die Anschlüsse beschriftet und können wie folgt verbunden werden:</a:t>
+            </a:r>
+          </a:p>
+          <a:p>
+            <a:r>
+              <a:rPr lang="de-DE" sz="1000" dirty="0"/>
+              <a:t>IN1= P1, IN2= P1, IN3= P2 IN4=P3</a:t>
+            </a:r>
+          </a:p>
+          <a:p>
+            <a:r>
+              <a:rPr lang="de-DE" sz="1000" dirty="0"/>
+              <a:t>Sowie jeweils die Motoren A und B an deren Anschlüsse. </a:t>
+            </a:r>
+          </a:p>
+          <a:p>
+            <a:r>
+              <a:rPr lang="de-DE" sz="1000" dirty="0"/>
+              <a:t>An Vin, GND bzw. + und – wird die Batteriespannung angeschlossen. </a:t>
+            </a:r>
+          </a:p>
+          <a:p>
+            <a:r>
+              <a:rPr lang="de-DE" sz="1000" dirty="0"/>
+              <a:t>Je nach Modul ist </a:t>
+            </a:r>
+            <a:r>
+              <a:rPr lang="de-DE" sz="1000" dirty="0" err="1"/>
+              <a:t>Vcc</a:t>
+            </a:r>
+            <a:r>
+              <a:rPr lang="de-DE" sz="1000" dirty="0"/>
+              <a:t> (Anschluss 5V Logik) schon mit +5V verbunden daher hier </a:t>
+            </a:r>
+            <a:r>
+              <a:rPr lang="de-DE" sz="1000" dirty="0">
+                <a:solidFill>
+                  <a:srgbClr val="FF0000"/>
+                </a:solidFill>
+              </a:rPr>
+              <a:t>NICHT!! </a:t>
+            </a:r>
+            <a:r>
+              <a:rPr lang="de-DE" sz="1000" dirty="0"/>
+              <a:t>den </a:t>
+            </a:r>
+            <a:r>
+              <a:rPr lang="de-DE" sz="1000" dirty="0" err="1"/>
+              <a:t>Calliope</a:t>
+            </a:r>
+            <a:r>
+              <a:rPr lang="de-DE" sz="1000" dirty="0"/>
+              <a:t> anschließen.</a:t>
+            </a:r>
+          </a:p>
+        </p:txBody>
+      </p:sp>
+      <p:sp>
+        <p:nvSpPr>
+          <p:cNvPr id="4" name="Textfeld 3"/>
+          <p:cNvSpPr txBox="1"/>
+          <p:nvPr/>
+        </p:nvSpPr>
+        <p:spPr>
+          <a:xfrm>
+            <a:off x="299744" y="222031"/>
+            <a:ext cx="4798506" cy="421206"/>
+          </a:xfrm>
+          <a:prstGeom prst="rect">
+            <a:avLst/>
+          </a:prstGeom>
+          <a:noFill/>
+        </p:spPr>
+        <p:txBody>
+          <a:bodyPr wrap="square" rtlCol="0">
+            <a:spAutoFit/>
+          </a:bodyPr>
+          <a:lstStyle/>
+          <a:p>
+            <a:pPr algn="ctr"/>
+            <a:r>
+              <a:rPr lang="de-DE" sz="2137" b="1" dirty="0"/>
+              <a:t>Externe Motorsteuerung am </a:t>
+            </a:r>
+            <a:r>
+              <a:rPr lang="de-DE" sz="2137" b="1" dirty="0" err="1"/>
+              <a:t>Calliope</a:t>
+            </a:r>
+            <a:endParaRPr lang="de-DE" sz="2137" b="1" dirty="0"/>
+          </a:p>
+        </p:txBody>
+      </p:sp>
+      <p:sp>
+        <p:nvSpPr>
+          <p:cNvPr id="38" name="Textfeld 37"/>
+          <p:cNvSpPr txBox="1"/>
+          <p:nvPr/>
+        </p:nvSpPr>
+        <p:spPr>
+          <a:xfrm>
+            <a:off x="-17834" y="5350647"/>
+            <a:ext cx="2456174" cy="584775"/>
+          </a:xfrm>
+          <a:prstGeom prst="rect">
+            <a:avLst/>
+          </a:prstGeom>
+          <a:noFill/>
+        </p:spPr>
+        <p:txBody>
+          <a:bodyPr wrap="square" rtlCol="0">
+            <a:spAutoFit/>
+          </a:bodyPr>
+          <a:lstStyle/>
+          <a:p>
+            <a:pPr algn="ctr"/>
+            <a:r>
+              <a:rPr lang="de-DE" sz="1600" b="1" dirty="0"/>
+              <a:t>Die Programmierung von zwei DC-Motoren</a:t>
+            </a:r>
+          </a:p>
+        </p:txBody>
+      </p:sp>
+      <p:sp>
+        <p:nvSpPr>
+          <p:cNvPr id="39" name="Textfeld 38"/>
+          <p:cNvSpPr txBox="1"/>
+          <p:nvPr/>
+        </p:nvSpPr>
+        <p:spPr>
+          <a:xfrm>
+            <a:off x="11369" y="5864725"/>
+            <a:ext cx="2456174" cy="1323439"/>
+          </a:xfrm>
+          <a:prstGeom prst="rect">
+            <a:avLst/>
+          </a:prstGeom>
+          <a:noFill/>
+        </p:spPr>
+        <p:txBody>
+          <a:bodyPr wrap="square" rtlCol="0">
+            <a:spAutoFit/>
+          </a:bodyPr>
+          <a:lstStyle/>
+          <a:p>
+            <a:r>
+              <a:rPr lang="de-DE" sz="800" dirty="0"/>
+              <a:t>Um zwei DC- Motoren im vorwärts und rückwärts betrieb zu nutzen haben wir zwei Blöcke Erstellt. Hier kann der Motor A, B oder A+B und die Richtung vor, zurück oder aus gewählt werden.</a:t>
+            </a:r>
+          </a:p>
+          <a:p>
+            <a:endParaRPr lang="de-DE" sz="800" dirty="0"/>
+          </a:p>
+          <a:p>
+            <a:r>
+              <a:rPr lang="de-DE" sz="800" dirty="0"/>
+              <a:t> </a:t>
+            </a:r>
+          </a:p>
+          <a:p>
+            <a:r>
+              <a:rPr lang="de-DE" sz="800" dirty="0"/>
+              <a:t>Dafür muss die doppelte H-Brücke an die Pins P0, P1, P2, P3 angeschlossen werden.</a:t>
+            </a:r>
+          </a:p>
+          <a:p>
+            <a:r>
+              <a:rPr lang="de-DE" sz="800" dirty="0"/>
+              <a:t>Im anderen Block können die verwendeten Pins frei gewählt werden.</a:t>
+            </a:r>
+          </a:p>
+        </p:txBody>
+      </p:sp>
+      <p:sp>
+        <p:nvSpPr>
+          <p:cNvPr id="33" name="Rechteck 32">
+            <a:extLst>
+              <a:ext uri="{FF2B5EF4-FFF2-40B4-BE49-F238E27FC236}">
+                <a16:creationId xmlns:a16="http://schemas.microsoft.com/office/drawing/2014/main" id="{13A1AFAC-58C8-4B76-984B-3024AEFD718C}"/>
+              </a:ext>
+            </a:extLst>
+          </p:cNvPr>
+          <p:cNvSpPr/>
+          <p:nvPr/>
+        </p:nvSpPr>
+        <p:spPr>
+          <a:xfrm>
+            <a:off x="76456" y="617286"/>
+            <a:ext cx="1667601" cy="1349098"/>
+          </a:xfrm>
+          <a:prstGeom prst="rect">
+            <a:avLst/>
+          </a:prstGeom>
+        </p:spPr>
+        <p:style>
+          <a:lnRef idx="2">
+            <a:schemeClr val="dk1"/>
+          </a:lnRef>
+          <a:fillRef idx="1">
+            <a:schemeClr val="lt1"/>
+          </a:fillRef>
+          <a:effectRef idx="0">
+            <a:schemeClr val="dk1"/>
+          </a:effectRef>
+          <a:fontRef idx="minor">
+            <a:schemeClr val="dk1"/>
+          </a:fontRef>
+        </p:style>
+        <p:txBody>
+          <a:bodyPr rtlCol="0" anchor="t"/>
+          <a:lstStyle/>
+          <a:p>
+            <a:pPr algn="ctr"/>
+            <a:r>
+              <a:rPr lang="de-DE" sz="1056" b="1" dirty="0"/>
+              <a:t>Benötigte Teile</a:t>
+            </a:r>
+          </a:p>
+        </p:txBody>
+      </p:sp>
+      <p:sp>
+        <p:nvSpPr>
+          <p:cNvPr id="34" name="Rechteck 33">
+            <a:extLst>
+              <a:ext uri="{FF2B5EF4-FFF2-40B4-BE49-F238E27FC236}">
+                <a16:creationId xmlns:a16="http://schemas.microsoft.com/office/drawing/2014/main" id="{6D8EDF97-FC7C-414D-9B83-00140A8EE55F}"/>
+              </a:ext>
+            </a:extLst>
+          </p:cNvPr>
+          <p:cNvSpPr/>
+          <p:nvPr/>
+        </p:nvSpPr>
+        <p:spPr>
+          <a:xfrm>
+            <a:off x="1829123" y="617286"/>
+            <a:ext cx="1667601" cy="1349098"/>
+          </a:xfrm>
+          <a:prstGeom prst="rect">
+            <a:avLst/>
+          </a:prstGeom>
+        </p:spPr>
+        <p:style>
+          <a:lnRef idx="2">
+            <a:schemeClr val="dk1"/>
+          </a:lnRef>
+          <a:fillRef idx="1">
+            <a:schemeClr val="lt1"/>
+          </a:fillRef>
+          <a:effectRef idx="0">
+            <a:schemeClr val="dk1"/>
+          </a:effectRef>
+          <a:fontRef idx="minor">
+            <a:schemeClr val="dk1"/>
+          </a:fontRef>
+        </p:style>
+        <p:txBody>
+          <a:bodyPr rtlCol="0" anchor="t"/>
+          <a:lstStyle/>
+          <a:p>
+            <a:pPr algn="ctr"/>
+            <a:r>
+              <a:rPr lang="de-DE" sz="1056" b="1" dirty="0"/>
+              <a:t>Benötigte Teile</a:t>
+            </a:r>
+          </a:p>
+        </p:txBody>
+      </p:sp>
+      <p:sp>
+        <p:nvSpPr>
+          <p:cNvPr id="37" name="Rechteck 36">
+            <a:extLst>
+              <a:ext uri="{FF2B5EF4-FFF2-40B4-BE49-F238E27FC236}">
+                <a16:creationId xmlns:a16="http://schemas.microsoft.com/office/drawing/2014/main" id="{1726005F-7475-478D-8C03-F5CC18C83B9A}"/>
+              </a:ext>
+            </a:extLst>
+          </p:cNvPr>
+          <p:cNvSpPr/>
+          <p:nvPr/>
+        </p:nvSpPr>
+        <p:spPr>
+          <a:xfrm>
+            <a:off x="3580310" y="625002"/>
+            <a:ext cx="1667601" cy="1349098"/>
+          </a:xfrm>
+          <a:prstGeom prst="rect">
+            <a:avLst/>
+          </a:prstGeom>
+        </p:spPr>
+        <p:style>
+          <a:lnRef idx="2">
+            <a:schemeClr val="dk1"/>
+          </a:lnRef>
+          <a:fillRef idx="1">
+            <a:schemeClr val="lt1"/>
+          </a:fillRef>
+          <a:effectRef idx="0">
+            <a:schemeClr val="dk1"/>
+          </a:effectRef>
+          <a:fontRef idx="minor">
+            <a:schemeClr val="dk1"/>
+          </a:fontRef>
+        </p:style>
+        <p:txBody>
+          <a:bodyPr rtlCol="0" anchor="t"/>
+          <a:lstStyle/>
+          <a:p>
+            <a:pPr algn="ctr"/>
+            <a:r>
+              <a:rPr lang="de-DE" sz="1056" b="1" dirty="0"/>
+              <a:t>Benötigte Teile</a:t>
+            </a:r>
+          </a:p>
+        </p:txBody>
+      </p:sp>
+      <p:pic>
+        <p:nvPicPr>
+          <p:cNvPr id="3" name="Grafik 2">
+            <a:extLst>
+              <a:ext uri="{FF2B5EF4-FFF2-40B4-BE49-F238E27FC236}">
+                <a16:creationId xmlns:a16="http://schemas.microsoft.com/office/drawing/2014/main" id="{617474D8-9024-48F7-92FB-024E6D483D9A}"/>
+              </a:ext>
+            </a:extLst>
+          </p:cNvPr>
+          <p:cNvPicPr>
+            <a:picLocks noChangeAspect="1"/>
+          </p:cNvPicPr>
+          <p:nvPr/>
+        </p:nvPicPr>
+        <p:blipFill rotWithShape="1">
+          <a:blip r:embed="rId2" cstate="print">
+            <a:extLst>
+              <a:ext uri="{28A0092B-C50C-407E-A947-70E740481C1C}">
+                <a14:useLocalDpi xmlns:a14="http://schemas.microsoft.com/office/drawing/2010/main" val="0"/>
+              </a:ext>
+            </a:extLst>
+          </a:blip>
+          <a:srcRect l="37447" t="35748" r="38451" b="33943"/>
+          <a:stretch/>
+        </p:blipFill>
+        <p:spPr>
+          <a:xfrm>
+            <a:off x="3598045" y="839683"/>
+            <a:ext cx="892875" cy="842137"/>
+          </a:xfrm>
+          <a:prstGeom prst="rect">
+            <a:avLst/>
+          </a:prstGeom>
+        </p:spPr>
+      </p:pic>
+      <p:sp>
+        <p:nvSpPr>
+          <p:cNvPr id="43" name="Textfeld 42">
+            <a:extLst>
+              <a:ext uri="{FF2B5EF4-FFF2-40B4-BE49-F238E27FC236}">
+                <a16:creationId xmlns:a16="http://schemas.microsoft.com/office/drawing/2014/main" id="{E4B277C7-6A52-4817-BB75-F4F5C7EC3B6B}"/>
+              </a:ext>
+            </a:extLst>
+          </p:cNvPr>
+          <p:cNvSpPr txBox="1"/>
+          <p:nvPr/>
+        </p:nvSpPr>
+        <p:spPr>
+          <a:xfrm>
+            <a:off x="3523000" y="1619747"/>
+            <a:ext cx="1097499" cy="410562"/>
+          </a:xfrm>
+          <a:prstGeom prst="rect">
+            <a:avLst/>
+          </a:prstGeom>
+          <a:noFill/>
+        </p:spPr>
+        <p:txBody>
+          <a:bodyPr wrap="square" rtlCol="0">
+            <a:spAutoFit/>
+          </a:bodyPr>
+          <a:lstStyle/>
+          <a:p>
+            <a:pPr algn="ctr"/>
+            <a:r>
+              <a:rPr lang="de-DE" sz="1000" dirty="0"/>
+              <a:t>Darlington Array</a:t>
+            </a:r>
+          </a:p>
+          <a:p>
+            <a:pPr algn="ctr"/>
+            <a:r>
+              <a:rPr lang="de-DE" sz="1000" dirty="0"/>
+              <a:t>(ULN 2003)</a:t>
+            </a:r>
+            <a:endParaRPr lang="de-DE" sz="1068" dirty="0"/>
+          </a:p>
+        </p:txBody>
+      </p:sp>
+      <p:pic>
+        <p:nvPicPr>
+          <p:cNvPr id="10" name="Grafik 9">
+            <a:extLst>
+              <a:ext uri="{FF2B5EF4-FFF2-40B4-BE49-F238E27FC236}">
+                <a16:creationId xmlns:a16="http://schemas.microsoft.com/office/drawing/2014/main" id="{F8960BA9-DE0D-4DE2-AE2E-D899EDBB4D16}"/>
+              </a:ext>
+            </a:extLst>
+          </p:cNvPr>
+          <p:cNvPicPr>
+            <a:picLocks noChangeAspect="1"/>
+          </p:cNvPicPr>
+          <p:nvPr/>
+        </p:nvPicPr>
+        <p:blipFill rotWithShape="1">
+          <a:blip r:embed="rId3" cstate="print">
+            <a:extLst>
+              <a:ext uri="{28A0092B-C50C-407E-A947-70E740481C1C}">
+                <a14:useLocalDpi xmlns:a14="http://schemas.microsoft.com/office/drawing/2010/main" val="0"/>
+              </a:ext>
+            </a:extLst>
+          </a:blip>
+          <a:srcRect l="30192" t="11460" r="16622" b="23428"/>
+          <a:stretch/>
+        </p:blipFill>
+        <p:spPr>
+          <a:xfrm rot="5400000">
+            <a:off x="4517120" y="1243292"/>
+            <a:ext cx="760195" cy="697976"/>
+          </a:xfrm>
+          <a:prstGeom prst="rect">
+            <a:avLst/>
+          </a:prstGeom>
+        </p:spPr>
+      </p:pic>
+      <p:sp>
+        <p:nvSpPr>
+          <p:cNvPr id="44" name="Textfeld 43">
+            <a:extLst>
+              <a:ext uri="{FF2B5EF4-FFF2-40B4-BE49-F238E27FC236}">
+                <a16:creationId xmlns:a16="http://schemas.microsoft.com/office/drawing/2014/main" id="{5DFCFF4D-59E7-4407-ADEE-597C089C0843}"/>
+              </a:ext>
+            </a:extLst>
+          </p:cNvPr>
+          <p:cNvSpPr txBox="1"/>
+          <p:nvPr/>
+        </p:nvSpPr>
+        <p:spPr>
+          <a:xfrm>
+            <a:off x="4230151" y="978703"/>
+            <a:ext cx="1097499" cy="246221"/>
+          </a:xfrm>
+          <a:prstGeom prst="rect">
+            <a:avLst/>
+          </a:prstGeom>
+          <a:noFill/>
+        </p:spPr>
+        <p:txBody>
+          <a:bodyPr wrap="square" rtlCol="0">
+            <a:spAutoFit/>
+          </a:bodyPr>
+          <a:lstStyle/>
+          <a:p>
+            <a:pPr algn="ctr"/>
+            <a:r>
+              <a:rPr lang="de-DE" sz="1000" dirty="0"/>
+              <a:t>Kabel</a:t>
+            </a:r>
+          </a:p>
+        </p:txBody>
+      </p:sp>
+      <p:pic>
+        <p:nvPicPr>
+          <p:cNvPr id="22" name="Grafik 21">
+            <a:extLst>
+              <a:ext uri="{FF2B5EF4-FFF2-40B4-BE49-F238E27FC236}">
+                <a16:creationId xmlns:a16="http://schemas.microsoft.com/office/drawing/2014/main" id="{84514E9C-734A-463E-8DE8-7E04D3F06ACC}"/>
+              </a:ext>
+            </a:extLst>
+          </p:cNvPr>
+          <p:cNvPicPr>
+            <a:picLocks noChangeAspect="1"/>
+          </p:cNvPicPr>
+          <p:nvPr/>
+        </p:nvPicPr>
+        <p:blipFill rotWithShape="1">
+          <a:blip r:embed="rId4" cstate="print">
+            <a:extLst>
+              <a:ext uri="{28A0092B-C50C-407E-A947-70E740481C1C}">
+                <a14:useLocalDpi xmlns:a14="http://schemas.microsoft.com/office/drawing/2010/main" val="0"/>
+              </a:ext>
+            </a:extLst>
+          </a:blip>
+          <a:srcRect l="40395" t="36562" r="34349" b="33294"/>
+          <a:stretch/>
+        </p:blipFill>
+        <p:spPr>
+          <a:xfrm>
+            <a:off x="87471" y="839683"/>
+            <a:ext cx="925056" cy="828040"/>
+          </a:xfrm>
+          <a:prstGeom prst="rect">
+            <a:avLst/>
+          </a:prstGeom>
+        </p:spPr>
+      </p:pic>
+      <p:pic>
+        <p:nvPicPr>
+          <p:cNvPr id="46" name="Grafik 45">
+            <a:extLst>
+              <a:ext uri="{FF2B5EF4-FFF2-40B4-BE49-F238E27FC236}">
+                <a16:creationId xmlns:a16="http://schemas.microsoft.com/office/drawing/2014/main" id="{056DD4E8-AA8F-4976-930B-2187003A8F94}"/>
+              </a:ext>
+            </a:extLst>
+          </p:cNvPr>
+          <p:cNvPicPr>
+            <a:picLocks noChangeAspect="1"/>
+          </p:cNvPicPr>
+          <p:nvPr/>
+        </p:nvPicPr>
+        <p:blipFill rotWithShape="1">
+          <a:blip r:embed="rId3" cstate="print">
+            <a:extLst>
+              <a:ext uri="{28A0092B-C50C-407E-A947-70E740481C1C}">
+                <a14:useLocalDpi xmlns:a14="http://schemas.microsoft.com/office/drawing/2010/main" val="0"/>
+              </a:ext>
+            </a:extLst>
+          </a:blip>
+          <a:srcRect l="30192" t="11460" r="36531" b="23428"/>
+          <a:stretch/>
+        </p:blipFill>
+        <p:spPr>
+          <a:xfrm rot="5400000">
+            <a:off x="1157252" y="1372615"/>
+            <a:ext cx="475632" cy="697976"/>
+          </a:xfrm>
+          <a:prstGeom prst="rect">
+            <a:avLst/>
+          </a:prstGeom>
+        </p:spPr>
+      </p:pic>
+      <p:sp>
+        <p:nvSpPr>
+          <p:cNvPr id="47" name="Textfeld 46">
+            <a:extLst>
+              <a:ext uri="{FF2B5EF4-FFF2-40B4-BE49-F238E27FC236}">
+                <a16:creationId xmlns:a16="http://schemas.microsoft.com/office/drawing/2014/main" id="{FBDA607F-9920-44B9-9599-14C70BE08E65}"/>
+              </a:ext>
+            </a:extLst>
+          </p:cNvPr>
+          <p:cNvSpPr txBox="1"/>
+          <p:nvPr/>
+        </p:nvSpPr>
+        <p:spPr>
+          <a:xfrm>
+            <a:off x="857597" y="1224107"/>
+            <a:ext cx="1097499" cy="246221"/>
+          </a:xfrm>
+          <a:prstGeom prst="rect">
+            <a:avLst/>
+          </a:prstGeom>
+          <a:noFill/>
+        </p:spPr>
+        <p:txBody>
+          <a:bodyPr wrap="square" rtlCol="0">
+            <a:spAutoFit/>
+          </a:bodyPr>
+          <a:lstStyle/>
+          <a:p>
+            <a:pPr algn="ctr"/>
+            <a:r>
+              <a:rPr lang="de-DE" sz="1000" dirty="0"/>
+              <a:t>Kabel</a:t>
+            </a:r>
+          </a:p>
+        </p:txBody>
+      </p:sp>
+      <p:sp>
+        <p:nvSpPr>
+          <p:cNvPr id="48" name="Textfeld 47">
+            <a:extLst>
+              <a:ext uri="{FF2B5EF4-FFF2-40B4-BE49-F238E27FC236}">
+                <a16:creationId xmlns:a16="http://schemas.microsoft.com/office/drawing/2014/main" id="{05B21E71-176E-4851-9818-E4E3AAFEEDA2}"/>
+              </a:ext>
+            </a:extLst>
+          </p:cNvPr>
+          <p:cNvSpPr txBox="1"/>
+          <p:nvPr/>
+        </p:nvSpPr>
+        <p:spPr>
+          <a:xfrm>
+            <a:off x="11369" y="1616189"/>
+            <a:ext cx="1097499" cy="400110"/>
+          </a:xfrm>
+          <a:prstGeom prst="rect">
+            <a:avLst/>
+          </a:prstGeom>
+          <a:noFill/>
+        </p:spPr>
+        <p:txBody>
+          <a:bodyPr wrap="square" rtlCol="0">
+            <a:spAutoFit/>
+          </a:bodyPr>
+          <a:lstStyle/>
+          <a:p>
+            <a:pPr algn="ctr"/>
+            <a:r>
+              <a:rPr lang="de-DE" sz="1000" dirty="0"/>
+              <a:t>Doppel H-Brücke (L293D)</a:t>
+            </a:r>
+            <a:endParaRPr lang="de-DE" sz="1068" dirty="0"/>
+          </a:p>
+        </p:txBody>
+      </p:sp>
+      <p:pic>
+        <p:nvPicPr>
+          <p:cNvPr id="24" name="Grafik 23">
+            <a:extLst>
+              <a:ext uri="{FF2B5EF4-FFF2-40B4-BE49-F238E27FC236}">
+                <a16:creationId xmlns:a16="http://schemas.microsoft.com/office/drawing/2014/main" id="{D8E250FA-63B2-477F-B0F8-2B76E010725D}"/>
+              </a:ext>
+            </a:extLst>
+          </p:cNvPr>
+          <p:cNvPicPr>
+            <a:picLocks noChangeAspect="1"/>
+          </p:cNvPicPr>
+          <p:nvPr/>
+        </p:nvPicPr>
+        <p:blipFill rotWithShape="1">
+          <a:blip r:embed="rId5" cstate="print">
+            <a:extLst>
+              <a:ext uri="{28A0092B-C50C-407E-A947-70E740481C1C}">
+                <a14:useLocalDpi xmlns:a14="http://schemas.microsoft.com/office/drawing/2010/main" val="0"/>
+              </a:ext>
+            </a:extLst>
+          </a:blip>
+          <a:srcRect l="24677" t="18120" r="15930" b="33942"/>
+          <a:stretch/>
+        </p:blipFill>
+        <p:spPr>
+          <a:xfrm>
+            <a:off x="1850223" y="1402712"/>
+            <a:ext cx="931753" cy="564029"/>
+          </a:xfrm>
+          <a:prstGeom prst="rect">
+            <a:avLst/>
+          </a:prstGeom>
+        </p:spPr>
+      </p:pic>
+      <p:sp>
+        <p:nvSpPr>
+          <p:cNvPr id="49" name="Textfeld 48">
+            <a:extLst>
+              <a:ext uri="{FF2B5EF4-FFF2-40B4-BE49-F238E27FC236}">
+                <a16:creationId xmlns:a16="http://schemas.microsoft.com/office/drawing/2014/main" id="{86659BAA-FAF9-4166-BA26-27024CEBAE2D}"/>
+              </a:ext>
+            </a:extLst>
+          </p:cNvPr>
+          <p:cNvSpPr txBox="1"/>
+          <p:nvPr/>
+        </p:nvSpPr>
+        <p:spPr>
+          <a:xfrm>
+            <a:off x="1614477" y="1140730"/>
+            <a:ext cx="1097499" cy="246221"/>
+          </a:xfrm>
+          <a:prstGeom prst="rect">
+            <a:avLst/>
+          </a:prstGeom>
+          <a:noFill/>
+        </p:spPr>
+        <p:txBody>
+          <a:bodyPr wrap="square" rtlCol="0">
+            <a:spAutoFit/>
+          </a:bodyPr>
+          <a:lstStyle/>
+          <a:p>
+            <a:pPr algn="ctr"/>
+            <a:r>
+              <a:rPr lang="de-DE" sz="1000" dirty="0"/>
+              <a:t>Steckbrett</a:t>
+            </a:r>
+            <a:endParaRPr lang="de-DE" sz="1068" dirty="0"/>
+          </a:p>
+        </p:txBody>
+      </p:sp>
+      <p:pic>
+        <p:nvPicPr>
+          <p:cNvPr id="50" name="Grafik 49">
+            <a:extLst>
+              <a:ext uri="{FF2B5EF4-FFF2-40B4-BE49-F238E27FC236}">
+                <a16:creationId xmlns:a16="http://schemas.microsoft.com/office/drawing/2014/main" id="{58198BB7-A641-4605-A28D-77FFE87BD382}"/>
+              </a:ext>
+            </a:extLst>
+          </p:cNvPr>
+          <p:cNvPicPr>
+            <a:picLocks noChangeAspect="1"/>
+          </p:cNvPicPr>
+          <p:nvPr/>
+        </p:nvPicPr>
+        <p:blipFill rotWithShape="1">
+          <a:blip r:embed="rId3" cstate="print">
+            <a:extLst>
+              <a:ext uri="{28A0092B-C50C-407E-A947-70E740481C1C}">
+                <a14:useLocalDpi xmlns:a14="http://schemas.microsoft.com/office/drawing/2010/main" val="0"/>
+              </a:ext>
+            </a:extLst>
+          </a:blip>
+          <a:srcRect l="30192" t="11460" r="16622" b="23428"/>
+          <a:stretch/>
+        </p:blipFill>
+        <p:spPr>
+          <a:xfrm rot="5400000">
+            <a:off x="2767879" y="1238780"/>
+            <a:ext cx="760195" cy="697976"/>
+          </a:xfrm>
+          <a:prstGeom prst="rect">
+            <a:avLst/>
+          </a:prstGeom>
+        </p:spPr>
+      </p:pic>
+      <p:sp>
+        <p:nvSpPr>
+          <p:cNvPr id="51" name="Textfeld 50">
+            <a:extLst>
+              <a:ext uri="{FF2B5EF4-FFF2-40B4-BE49-F238E27FC236}">
+                <a16:creationId xmlns:a16="http://schemas.microsoft.com/office/drawing/2014/main" id="{76F86DE3-419A-4A40-B0DF-DC853D541346}"/>
+              </a:ext>
+            </a:extLst>
+          </p:cNvPr>
+          <p:cNvSpPr txBox="1"/>
+          <p:nvPr/>
+        </p:nvSpPr>
+        <p:spPr>
+          <a:xfrm>
+            <a:off x="2711682" y="974596"/>
+            <a:ext cx="1097499" cy="246221"/>
+          </a:xfrm>
+          <a:prstGeom prst="rect">
+            <a:avLst/>
+          </a:prstGeom>
+          <a:noFill/>
+        </p:spPr>
+        <p:txBody>
+          <a:bodyPr wrap="square" rtlCol="0">
+            <a:spAutoFit/>
+          </a:bodyPr>
+          <a:lstStyle/>
+          <a:p>
+            <a:pPr algn="ctr"/>
+            <a:r>
+              <a:rPr lang="de-DE" sz="1000" dirty="0"/>
+              <a:t>Kabel</a:t>
+            </a:r>
+          </a:p>
+        </p:txBody>
+      </p:sp>
+      <p:pic>
+        <p:nvPicPr>
+          <p:cNvPr id="27" name="Grafik 26">
+            <a:extLst>
+              <a:ext uri="{FF2B5EF4-FFF2-40B4-BE49-F238E27FC236}">
+                <a16:creationId xmlns:a16="http://schemas.microsoft.com/office/drawing/2014/main" id="{854C8413-1D0C-4B88-BBC0-F59CF01B0DF0}"/>
+              </a:ext>
+            </a:extLst>
+          </p:cNvPr>
+          <p:cNvPicPr>
+            <a:picLocks noChangeAspect="1"/>
+          </p:cNvPicPr>
+          <p:nvPr/>
+        </p:nvPicPr>
+        <p:blipFill>
+          <a:blip r:embed="rId6"/>
+          <a:stretch>
+            <a:fillRect/>
+          </a:stretch>
+        </p:blipFill>
+        <p:spPr>
+          <a:xfrm>
+            <a:off x="1859512" y="845401"/>
+            <a:ext cx="366142" cy="306636"/>
+          </a:xfrm>
+          <a:prstGeom prst="rect">
+            <a:avLst/>
+          </a:prstGeom>
+        </p:spPr>
+      </p:pic>
+      <p:sp>
+        <p:nvSpPr>
+          <p:cNvPr id="52" name="Textfeld 51">
+            <a:extLst>
+              <a:ext uri="{FF2B5EF4-FFF2-40B4-BE49-F238E27FC236}">
+                <a16:creationId xmlns:a16="http://schemas.microsoft.com/office/drawing/2014/main" id="{B8DB5938-8D14-4B90-BD67-4A3727F44AB5}"/>
+              </a:ext>
+            </a:extLst>
+          </p:cNvPr>
+          <p:cNvSpPr txBox="1"/>
+          <p:nvPr/>
+        </p:nvSpPr>
+        <p:spPr>
+          <a:xfrm>
+            <a:off x="2177397" y="793805"/>
+            <a:ext cx="713924" cy="246221"/>
+          </a:xfrm>
+          <a:prstGeom prst="rect">
+            <a:avLst/>
+          </a:prstGeom>
+          <a:noFill/>
+        </p:spPr>
+        <p:txBody>
+          <a:bodyPr wrap="square" rtlCol="0">
+            <a:spAutoFit/>
+          </a:bodyPr>
+          <a:lstStyle/>
+          <a:p>
+            <a:pPr algn="ctr"/>
+            <a:r>
+              <a:rPr lang="de-DE" sz="1000" dirty="0"/>
+              <a:t>L293D IC</a:t>
+            </a:r>
+            <a:endParaRPr lang="de-DE" sz="1068" dirty="0"/>
+          </a:p>
+        </p:txBody>
+      </p:sp>
+      <p:sp>
+        <p:nvSpPr>
+          <p:cNvPr id="53" name="Textfeld 52">
+            <a:extLst>
+              <a:ext uri="{FF2B5EF4-FFF2-40B4-BE49-F238E27FC236}">
+                <a16:creationId xmlns:a16="http://schemas.microsoft.com/office/drawing/2014/main" id="{913FA86A-0536-4789-A3A0-0BEF91DE38BC}"/>
+              </a:ext>
+            </a:extLst>
+          </p:cNvPr>
+          <p:cNvSpPr txBox="1"/>
+          <p:nvPr/>
+        </p:nvSpPr>
+        <p:spPr>
+          <a:xfrm>
+            <a:off x="2768688" y="4683337"/>
+            <a:ext cx="2456174" cy="584775"/>
+          </a:xfrm>
+          <a:prstGeom prst="rect">
+            <a:avLst/>
+          </a:prstGeom>
+          <a:noFill/>
+        </p:spPr>
+        <p:txBody>
+          <a:bodyPr wrap="square" rtlCol="0">
+            <a:spAutoFit/>
+          </a:bodyPr>
+          <a:lstStyle/>
+          <a:p>
+            <a:pPr algn="ctr"/>
+            <a:r>
+              <a:rPr lang="de-DE" sz="1600" b="1" dirty="0"/>
+              <a:t>Die Programmierung eines Schrittmotors</a:t>
+            </a:r>
+          </a:p>
+        </p:txBody>
+      </p:sp>
+      <p:sp>
+        <p:nvSpPr>
+          <p:cNvPr id="54" name="Textfeld 53">
+            <a:extLst>
+              <a:ext uri="{FF2B5EF4-FFF2-40B4-BE49-F238E27FC236}">
+                <a16:creationId xmlns:a16="http://schemas.microsoft.com/office/drawing/2014/main" id="{97D2DF3C-1EC2-44E0-9486-93922DA6C4C3}"/>
+              </a:ext>
+            </a:extLst>
+          </p:cNvPr>
+          <p:cNvSpPr txBox="1"/>
+          <p:nvPr/>
+        </p:nvSpPr>
+        <p:spPr>
+          <a:xfrm>
+            <a:off x="2871476" y="5214783"/>
+            <a:ext cx="2456174" cy="1615827"/>
+          </a:xfrm>
+          <a:prstGeom prst="rect">
+            <a:avLst/>
+          </a:prstGeom>
+          <a:noFill/>
+        </p:spPr>
+        <p:txBody>
+          <a:bodyPr wrap="square" rtlCol="0">
+            <a:spAutoFit/>
+          </a:bodyPr>
+          <a:lstStyle/>
+          <a:p>
+            <a:r>
+              <a:rPr lang="de-DE" sz="900" dirty="0"/>
+              <a:t>Einen einfachen Schrittmotor kann über eine Doppelte H-Brücke oder ein Darlington Array (Bild oben rechts) ansteuern. Dazu werden wieder die Pins P0, P1, P2 und P3 mit den Anschlüssen IN1 bis IN4 verbunden.</a:t>
+            </a:r>
+          </a:p>
+          <a:p>
+            <a:endParaRPr lang="de-DE" sz="900" dirty="0"/>
+          </a:p>
+          <a:p>
+            <a:endParaRPr lang="de-DE" sz="900" dirty="0"/>
+          </a:p>
+          <a:p>
+            <a:r>
+              <a:rPr lang="de-DE" sz="900" dirty="0"/>
+              <a:t>Der Schrittmotor kann eine beliebige Anzahl von Schritten in beide Richtungen bewegt werden.</a:t>
+            </a:r>
+          </a:p>
+          <a:p>
+            <a:r>
+              <a:rPr lang="de-DE" sz="900" dirty="0"/>
+              <a:t>In unserem Fall (Motor 28BYJ-48) entsprechen 513 Schritte einer Umdrehung</a:t>
+            </a:r>
+          </a:p>
+        </p:txBody>
+      </p:sp>
+      <p:pic>
+        <p:nvPicPr>
+          <p:cNvPr id="56" name="Grafik 55">
+            <a:extLst>
+              <a:ext uri="{FF2B5EF4-FFF2-40B4-BE49-F238E27FC236}">
+                <a16:creationId xmlns:a16="http://schemas.microsoft.com/office/drawing/2014/main" id="{B7491FAD-50A2-4C17-8981-B3449215F784}"/>
+              </a:ext>
+            </a:extLst>
+          </p:cNvPr>
+          <p:cNvPicPr>
+            <a:picLocks noChangeAspect="1"/>
+          </p:cNvPicPr>
+          <p:nvPr/>
+        </p:nvPicPr>
+        <p:blipFill rotWithShape="1">
+          <a:blip r:embed="rId7"/>
+          <a:srcRect t="21816"/>
+          <a:stretch/>
+        </p:blipFill>
+        <p:spPr>
+          <a:xfrm>
+            <a:off x="2502252" y="2016299"/>
+            <a:ext cx="2206110" cy="1086370"/>
+          </a:xfrm>
+          <a:prstGeom prst="rect">
+            <a:avLst/>
+          </a:prstGeom>
+        </p:spPr>
+      </p:pic>
+      <p:sp>
+        <p:nvSpPr>
+          <p:cNvPr id="57" name="Textfeld 56">
+            <a:extLst>
+              <a:ext uri="{FF2B5EF4-FFF2-40B4-BE49-F238E27FC236}">
+                <a16:creationId xmlns:a16="http://schemas.microsoft.com/office/drawing/2014/main" id="{19C2362D-F4CF-42BB-9815-2F5DD3296FC7}"/>
+              </a:ext>
+            </a:extLst>
+          </p:cNvPr>
+          <p:cNvSpPr txBox="1"/>
+          <p:nvPr/>
+        </p:nvSpPr>
+        <p:spPr>
+          <a:xfrm>
+            <a:off x="3132652" y="3144868"/>
+            <a:ext cx="1097499" cy="553998"/>
+          </a:xfrm>
+          <a:prstGeom prst="rect">
+            <a:avLst/>
+          </a:prstGeom>
+          <a:noFill/>
+        </p:spPr>
+        <p:txBody>
+          <a:bodyPr wrap="square" rtlCol="0">
+            <a:spAutoFit/>
+          </a:bodyPr>
+          <a:lstStyle/>
+          <a:p>
+            <a:pPr algn="ctr"/>
+            <a:r>
+              <a:rPr lang="de-DE" sz="1000" dirty="0"/>
+              <a:t>Auszug aus dem Datenblatt des L293D</a:t>
+            </a:r>
+            <a:endParaRPr lang="de-DE" sz="1068" dirty="0"/>
+          </a:p>
+        </p:txBody>
+      </p:sp>
+      <p:sp>
+        <p:nvSpPr>
+          <p:cNvPr id="58" name="Textfeld 57">
+            <a:extLst>
+              <a:ext uri="{FF2B5EF4-FFF2-40B4-BE49-F238E27FC236}">
+                <a16:creationId xmlns:a16="http://schemas.microsoft.com/office/drawing/2014/main" id="{BEABB08F-126A-476D-B3CC-E78EE623F60F}"/>
+              </a:ext>
+            </a:extLst>
+          </p:cNvPr>
+          <p:cNvSpPr txBox="1"/>
+          <p:nvPr/>
+        </p:nvSpPr>
+        <p:spPr>
+          <a:xfrm>
+            <a:off x="4643595" y="2360956"/>
+            <a:ext cx="743499" cy="421013"/>
+          </a:xfrm>
+          <a:prstGeom prst="rect">
+            <a:avLst/>
+          </a:prstGeom>
+          <a:noFill/>
+        </p:spPr>
+        <p:txBody>
+          <a:bodyPr wrap="square" rtlCol="0">
+            <a:spAutoFit/>
+          </a:bodyPr>
+          <a:lstStyle/>
+          <a:p>
+            <a:r>
+              <a:rPr lang="de-DE" sz="1068" dirty="0">
+                <a:solidFill>
+                  <a:srgbClr val="00B050"/>
+                </a:solidFill>
+              </a:rPr>
+              <a:t>Anschluss Motor B</a:t>
+            </a:r>
+          </a:p>
+        </p:txBody>
+      </p:sp>
+      <p:sp>
+        <p:nvSpPr>
+          <p:cNvPr id="63" name="Freihandform: Form 62">
+            <a:extLst>
+              <a:ext uri="{FF2B5EF4-FFF2-40B4-BE49-F238E27FC236}">
+                <a16:creationId xmlns:a16="http://schemas.microsoft.com/office/drawing/2014/main" id="{474F36ED-2BF8-414D-80C6-668AC5E32983}"/>
+              </a:ext>
+            </a:extLst>
+          </p:cNvPr>
+          <p:cNvSpPr/>
+          <p:nvPr/>
+        </p:nvSpPr>
+        <p:spPr>
+          <a:xfrm>
+            <a:off x="4027055" y="2364509"/>
+            <a:ext cx="743499" cy="60623"/>
+          </a:xfrm>
+          <a:custGeom>
+            <a:avLst/>
+            <a:gdLst>
+              <a:gd name="connsiteX0" fmla="*/ 0 w 988290"/>
+              <a:gd name="connsiteY0" fmla="*/ 0 h 304800"/>
+              <a:gd name="connsiteX1" fmla="*/ 822036 w 988290"/>
+              <a:gd name="connsiteY1" fmla="*/ 27709 h 304800"/>
+              <a:gd name="connsiteX2" fmla="*/ 988290 w 988290"/>
+              <a:gd name="connsiteY2" fmla="*/ 304800 h 304800"/>
+            </a:gdLst>
+            <a:ahLst/>
+            <a:cxnLst>
+              <a:cxn ang="0">
+                <a:pos x="connsiteX0" y="connsiteY0"/>
+              </a:cxn>
+              <a:cxn ang="0">
+                <a:pos x="connsiteX1" y="connsiteY1"/>
+              </a:cxn>
+              <a:cxn ang="0">
+                <a:pos x="connsiteX2" y="connsiteY2"/>
+              </a:cxn>
+            </a:cxnLst>
+            <a:rect l="l" t="t" r="r" b="b"/>
+            <a:pathLst>
+              <a:path w="988290" h="304800">
+                <a:moveTo>
+                  <a:pt x="0" y="0"/>
+                </a:moveTo>
+                <a:lnTo>
+                  <a:pt x="822036" y="27709"/>
+                </a:lnTo>
+                <a:cubicBezTo>
+                  <a:pt x="986751" y="78509"/>
+                  <a:pt x="963660" y="247842"/>
+                  <a:pt x="988290" y="304800"/>
+                </a:cubicBezTo>
+              </a:path>
+            </a:pathLst>
+          </a:custGeom>
+          <a:noFill/>
+          <a:ln w="19050">
+            <a:solidFill>
+              <a:srgbClr val="00B050"/>
+            </a:solidFill>
+          </a:ln>
+        </p:spPr>
+        <p:style>
+          <a:lnRef idx="2">
+            <a:schemeClr val="accent1">
+              <a:shade val="50000"/>
+            </a:schemeClr>
+          </a:lnRef>
+          <a:fillRef idx="1">
+            <a:schemeClr val="accent1"/>
+          </a:fillRef>
+          <a:effectRef idx="0">
+            <a:schemeClr val="accent1"/>
+          </a:effectRef>
+          <a:fontRef idx="minor">
+            <a:schemeClr val="lt1"/>
+          </a:fontRef>
+        </p:style>
+        <p:txBody>
+          <a:bodyPr rtlCol="0" anchor="ctr"/>
+          <a:lstStyle/>
+          <a:p>
+            <a:pPr algn="ctr"/>
+            <a:endParaRPr lang="de-DE"/>
+          </a:p>
+        </p:txBody>
+      </p:sp>
+      <p:sp>
+        <p:nvSpPr>
+          <p:cNvPr id="64" name="Freihandform: Form 63">
+            <a:extLst>
+              <a:ext uri="{FF2B5EF4-FFF2-40B4-BE49-F238E27FC236}">
+                <a16:creationId xmlns:a16="http://schemas.microsoft.com/office/drawing/2014/main" id="{8354EF14-C9FB-4DCC-AF75-F5B88DCDA772}"/>
+              </a:ext>
+            </a:extLst>
+          </p:cNvPr>
+          <p:cNvSpPr/>
+          <p:nvPr/>
+        </p:nvSpPr>
+        <p:spPr>
+          <a:xfrm flipV="1">
+            <a:off x="3996775" y="2696159"/>
+            <a:ext cx="743499" cy="66856"/>
+          </a:xfrm>
+          <a:custGeom>
+            <a:avLst/>
+            <a:gdLst>
+              <a:gd name="connsiteX0" fmla="*/ 0 w 988290"/>
+              <a:gd name="connsiteY0" fmla="*/ 0 h 304800"/>
+              <a:gd name="connsiteX1" fmla="*/ 822036 w 988290"/>
+              <a:gd name="connsiteY1" fmla="*/ 27709 h 304800"/>
+              <a:gd name="connsiteX2" fmla="*/ 988290 w 988290"/>
+              <a:gd name="connsiteY2" fmla="*/ 304800 h 304800"/>
+            </a:gdLst>
+            <a:ahLst/>
+            <a:cxnLst>
+              <a:cxn ang="0">
+                <a:pos x="connsiteX0" y="connsiteY0"/>
+              </a:cxn>
+              <a:cxn ang="0">
+                <a:pos x="connsiteX1" y="connsiteY1"/>
+              </a:cxn>
+              <a:cxn ang="0">
+                <a:pos x="connsiteX2" y="connsiteY2"/>
+              </a:cxn>
+            </a:cxnLst>
+            <a:rect l="l" t="t" r="r" b="b"/>
+            <a:pathLst>
+              <a:path w="988290" h="304800">
+                <a:moveTo>
+                  <a:pt x="0" y="0"/>
+                </a:moveTo>
+                <a:lnTo>
+                  <a:pt x="822036" y="27709"/>
+                </a:lnTo>
+                <a:cubicBezTo>
+                  <a:pt x="986751" y="78509"/>
+                  <a:pt x="963660" y="247842"/>
+                  <a:pt x="988290" y="304800"/>
+                </a:cubicBezTo>
+              </a:path>
+            </a:pathLst>
+          </a:custGeom>
+          <a:noFill/>
+          <a:ln w="19050">
+            <a:solidFill>
+              <a:srgbClr val="00B050"/>
+            </a:solidFill>
+          </a:ln>
+        </p:spPr>
+        <p:style>
+          <a:lnRef idx="2">
+            <a:schemeClr val="accent1">
+              <a:shade val="50000"/>
+            </a:schemeClr>
+          </a:lnRef>
+          <a:fillRef idx="1">
+            <a:schemeClr val="accent1"/>
+          </a:fillRef>
+          <a:effectRef idx="0">
+            <a:schemeClr val="accent1"/>
+          </a:effectRef>
+          <a:fontRef idx="minor">
+            <a:schemeClr val="lt1"/>
+          </a:fontRef>
+        </p:style>
+        <p:txBody>
+          <a:bodyPr rtlCol="0" anchor="ctr"/>
+          <a:lstStyle/>
+          <a:p>
+            <a:pPr algn="ctr"/>
+            <a:endParaRPr lang="de-DE"/>
+          </a:p>
+        </p:txBody>
+      </p:sp>
+      <p:sp>
+        <p:nvSpPr>
+          <p:cNvPr id="65" name="Textfeld 64">
+            <a:extLst>
+              <a:ext uri="{FF2B5EF4-FFF2-40B4-BE49-F238E27FC236}">
+                <a16:creationId xmlns:a16="http://schemas.microsoft.com/office/drawing/2014/main" id="{0D7D9E21-CF7B-4204-8227-4BA78656B41C}"/>
+              </a:ext>
+            </a:extLst>
+          </p:cNvPr>
+          <p:cNvSpPr txBox="1"/>
+          <p:nvPr/>
+        </p:nvSpPr>
+        <p:spPr>
+          <a:xfrm>
+            <a:off x="1889255" y="2348977"/>
+            <a:ext cx="743499" cy="421013"/>
+          </a:xfrm>
+          <a:prstGeom prst="rect">
+            <a:avLst/>
+          </a:prstGeom>
+          <a:noFill/>
+        </p:spPr>
+        <p:txBody>
+          <a:bodyPr wrap="square" rtlCol="0">
+            <a:spAutoFit/>
+          </a:bodyPr>
+          <a:lstStyle/>
+          <a:p>
+            <a:r>
+              <a:rPr lang="de-DE" sz="1068" dirty="0">
+                <a:solidFill>
+                  <a:srgbClr val="00B050"/>
+                </a:solidFill>
+              </a:rPr>
+              <a:t>Anschluss Motor A</a:t>
+            </a:r>
+          </a:p>
+        </p:txBody>
+      </p:sp>
+      <p:sp>
+        <p:nvSpPr>
+          <p:cNvPr id="66" name="Freihandform: Form 65">
+            <a:extLst>
+              <a:ext uri="{FF2B5EF4-FFF2-40B4-BE49-F238E27FC236}">
+                <a16:creationId xmlns:a16="http://schemas.microsoft.com/office/drawing/2014/main" id="{A19FB024-E252-4FE1-B4F1-95D59A64B367}"/>
+              </a:ext>
+            </a:extLst>
+          </p:cNvPr>
+          <p:cNvSpPr/>
+          <p:nvPr/>
+        </p:nvSpPr>
+        <p:spPr>
+          <a:xfrm rot="10800000">
+            <a:off x="2455523" y="2687030"/>
+            <a:ext cx="743499" cy="60623"/>
+          </a:xfrm>
+          <a:custGeom>
+            <a:avLst/>
+            <a:gdLst>
+              <a:gd name="connsiteX0" fmla="*/ 0 w 988290"/>
+              <a:gd name="connsiteY0" fmla="*/ 0 h 304800"/>
+              <a:gd name="connsiteX1" fmla="*/ 822036 w 988290"/>
+              <a:gd name="connsiteY1" fmla="*/ 27709 h 304800"/>
+              <a:gd name="connsiteX2" fmla="*/ 988290 w 988290"/>
+              <a:gd name="connsiteY2" fmla="*/ 304800 h 304800"/>
+            </a:gdLst>
+            <a:ahLst/>
+            <a:cxnLst>
+              <a:cxn ang="0">
+                <a:pos x="connsiteX0" y="connsiteY0"/>
+              </a:cxn>
+              <a:cxn ang="0">
+                <a:pos x="connsiteX1" y="connsiteY1"/>
+              </a:cxn>
+              <a:cxn ang="0">
+                <a:pos x="connsiteX2" y="connsiteY2"/>
+              </a:cxn>
+            </a:cxnLst>
+            <a:rect l="l" t="t" r="r" b="b"/>
+            <a:pathLst>
+              <a:path w="988290" h="304800">
+                <a:moveTo>
+                  <a:pt x="0" y="0"/>
+                </a:moveTo>
+                <a:lnTo>
+                  <a:pt x="822036" y="27709"/>
+                </a:lnTo>
+                <a:cubicBezTo>
+                  <a:pt x="986751" y="78509"/>
+                  <a:pt x="963660" y="247842"/>
+                  <a:pt x="988290" y="304800"/>
+                </a:cubicBezTo>
+              </a:path>
+            </a:pathLst>
+          </a:custGeom>
+          <a:noFill/>
+          <a:ln w="19050">
+            <a:solidFill>
+              <a:srgbClr val="00B050"/>
+            </a:solidFill>
+          </a:ln>
+        </p:spPr>
+        <p:style>
+          <a:lnRef idx="2">
+            <a:schemeClr val="accent1">
+              <a:shade val="50000"/>
+            </a:schemeClr>
+          </a:lnRef>
+          <a:fillRef idx="1">
+            <a:schemeClr val="accent1"/>
+          </a:fillRef>
+          <a:effectRef idx="0">
+            <a:schemeClr val="accent1"/>
+          </a:effectRef>
+          <a:fontRef idx="minor">
+            <a:schemeClr val="lt1"/>
+          </a:fontRef>
+        </p:style>
+        <p:txBody>
+          <a:bodyPr rtlCol="0" anchor="ctr"/>
+          <a:lstStyle/>
+          <a:p>
+            <a:pPr algn="ctr"/>
+            <a:endParaRPr lang="de-DE"/>
+          </a:p>
+        </p:txBody>
+      </p:sp>
+      <p:sp>
+        <p:nvSpPr>
+          <p:cNvPr id="67" name="Freihandform: Form 66">
+            <a:extLst>
+              <a:ext uri="{FF2B5EF4-FFF2-40B4-BE49-F238E27FC236}">
+                <a16:creationId xmlns:a16="http://schemas.microsoft.com/office/drawing/2014/main" id="{B8511042-F438-4139-8694-6ADB227D9D22}"/>
+              </a:ext>
+            </a:extLst>
+          </p:cNvPr>
+          <p:cNvSpPr/>
+          <p:nvPr/>
+        </p:nvSpPr>
+        <p:spPr>
+          <a:xfrm rot="10800000" flipV="1">
+            <a:off x="2455523" y="2364173"/>
+            <a:ext cx="743499" cy="66856"/>
+          </a:xfrm>
+          <a:custGeom>
+            <a:avLst/>
+            <a:gdLst>
+              <a:gd name="connsiteX0" fmla="*/ 0 w 988290"/>
+              <a:gd name="connsiteY0" fmla="*/ 0 h 304800"/>
+              <a:gd name="connsiteX1" fmla="*/ 822036 w 988290"/>
+              <a:gd name="connsiteY1" fmla="*/ 27709 h 304800"/>
+              <a:gd name="connsiteX2" fmla="*/ 988290 w 988290"/>
+              <a:gd name="connsiteY2" fmla="*/ 304800 h 304800"/>
+            </a:gdLst>
+            <a:ahLst/>
+            <a:cxnLst>
+              <a:cxn ang="0">
+                <a:pos x="connsiteX0" y="connsiteY0"/>
+              </a:cxn>
+              <a:cxn ang="0">
+                <a:pos x="connsiteX1" y="connsiteY1"/>
+              </a:cxn>
+              <a:cxn ang="0">
+                <a:pos x="connsiteX2" y="connsiteY2"/>
+              </a:cxn>
+            </a:cxnLst>
+            <a:rect l="l" t="t" r="r" b="b"/>
+            <a:pathLst>
+              <a:path w="988290" h="304800">
+                <a:moveTo>
+                  <a:pt x="0" y="0"/>
+                </a:moveTo>
+                <a:lnTo>
+                  <a:pt x="822036" y="27709"/>
+                </a:lnTo>
+                <a:cubicBezTo>
+                  <a:pt x="986751" y="78509"/>
+                  <a:pt x="963660" y="247842"/>
+                  <a:pt x="988290" y="304800"/>
+                </a:cubicBezTo>
+              </a:path>
+            </a:pathLst>
+          </a:custGeom>
+          <a:noFill/>
+          <a:ln w="19050">
+            <a:solidFill>
+              <a:srgbClr val="00B050"/>
+            </a:solidFill>
+          </a:ln>
+        </p:spPr>
+        <p:style>
+          <a:lnRef idx="2">
+            <a:schemeClr val="accent1">
+              <a:shade val="50000"/>
+            </a:schemeClr>
+          </a:lnRef>
+          <a:fillRef idx="1">
+            <a:schemeClr val="accent1"/>
+          </a:fillRef>
+          <a:effectRef idx="0">
+            <a:schemeClr val="accent1"/>
+          </a:effectRef>
+          <a:fontRef idx="minor">
+            <a:schemeClr val="lt1"/>
+          </a:fontRef>
+        </p:style>
+        <p:txBody>
+          <a:bodyPr rtlCol="0" anchor="ctr"/>
+          <a:lstStyle/>
+          <a:p>
+            <a:pPr algn="ctr"/>
+            <a:endParaRPr lang="de-DE"/>
+          </a:p>
+        </p:txBody>
+      </p:sp>
+      <p:sp>
+        <p:nvSpPr>
+          <p:cNvPr id="68" name="Textfeld 67">
+            <a:extLst>
+              <a:ext uri="{FF2B5EF4-FFF2-40B4-BE49-F238E27FC236}">
+                <a16:creationId xmlns:a16="http://schemas.microsoft.com/office/drawing/2014/main" id="{52936231-2225-4927-B82C-32D87B765FDA}"/>
+              </a:ext>
+            </a:extLst>
+          </p:cNvPr>
+          <p:cNvSpPr txBox="1"/>
+          <p:nvPr/>
+        </p:nvSpPr>
+        <p:spPr>
+          <a:xfrm>
+            <a:off x="2955623" y="2134028"/>
+            <a:ext cx="367779" cy="246221"/>
+          </a:xfrm>
+          <a:prstGeom prst="rect">
+            <a:avLst/>
+          </a:prstGeom>
+          <a:noFill/>
+        </p:spPr>
+        <p:txBody>
+          <a:bodyPr wrap="square" rtlCol="0">
+            <a:spAutoFit/>
+          </a:bodyPr>
+          <a:lstStyle/>
+          <a:p>
+            <a:r>
+              <a:rPr lang="de-DE" sz="1000" dirty="0">
+                <a:solidFill>
+                  <a:srgbClr val="0070C0"/>
+                </a:solidFill>
+              </a:rPr>
+              <a:t>IN1</a:t>
+            </a:r>
+          </a:p>
+        </p:txBody>
+      </p:sp>
+      <p:sp>
+        <p:nvSpPr>
+          <p:cNvPr id="69" name="Textfeld 68">
+            <a:extLst>
+              <a:ext uri="{FF2B5EF4-FFF2-40B4-BE49-F238E27FC236}">
+                <a16:creationId xmlns:a16="http://schemas.microsoft.com/office/drawing/2014/main" id="{24CD7884-C61B-43A8-A149-8328CB51BA27}"/>
+              </a:ext>
+            </a:extLst>
+          </p:cNvPr>
+          <p:cNvSpPr txBox="1"/>
+          <p:nvPr/>
+        </p:nvSpPr>
+        <p:spPr>
+          <a:xfrm>
+            <a:off x="2962125" y="2729370"/>
+            <a:ext cx="367779" cy="246221"/>
+          </a:xfrm>
+          <a:prstGeom prst="rect">
+            <a:avLst/>
+          </a:prstGeom>
+          <a:noFill/>
+        </p:spPr>
+        <p:txBody>
+          <a:bodyPr wrap="square" rtlCol="0">
+            <a:spAutoFit/>
+          </a:bodyPr>
+          <a:lstStyle/>
+          <a:p>
+            <a:r>
+              <a:rPr lang="de-DE" sz="1000" dirty="0">
+                <a:solidFill>
+                  <a:srgbClr val="0070C0"/>
+                </a:solidFill>
+              </a:rPr>
+              <a:t>IN2</a:t>
+            </a:r>
+          </a:p>
+        </p:txBody>
+      </p:sp>
+      <p:sp>
+        <p:nvSpPr>
+          <p:cNvPr id="70" name="Textfeld 69">
+            <a:extLst>
+              <a:ext uri="{FF2B5EF4-FFF2-40B4-BE49-F238E27FC236}">
+                <a16:creationId xmlns:a16="http://schemas.microsoft.com/office/drawing/2014/main" id="{2F1F1AD9-3130-4205-89F0-D6B5E47890D8}"/>
+              </a:ext>
+            </a:extLst>
+          </p:cNvPr>
+          <p:cNvSpPr txBox="1"/>
+          <p:nvPr/>
+        </p:nvSpPr>
+        <p:spPr>
+          <a:xfrm>
+            <a:off x="3996775" y="2157550"/>
+            <a:ext cx="367779" cy="246221"/>
+          </a:xfrm>
+          <a:prstGeom prst="rect">
+            <a:avLst/>
+          </a:prstGeom>
+          <a:noFill/>
+        </p:spPr>
+        <p:txBody>
+          <a:bodyPr wrap="square" rtlCol="0">
+            <a:spAutoFit/>
+          </a:bodyPr>
+          <a:lstStyle/>
+          <a:p>
+            <a:r>
+              <a:rPr lang="de-DE" sz="1000" dirty="0">
+                <a:solidFill>
+                  <a:srgbClr val="0070C0"/>
+                </a:solidFill>
+              </a:rPr>
+              <a:t>IN3</a:t>
+            </a:r>
+          </a:p>
+        </p:txBody>
+      </p:sp>
+      <p:sp>
+        <p:nvSpPr>
+          <p:cNvPr id="71" name="Textfeld 70">
+            <a:extLst>
+              <a:ext uri="{FF2B5EF4-FFF2-40B4-BE49-F238E27FC236}">
+                <a16:creationId xmlns:a16="http://schemas.microsoft.com/office/drawing/2014/main" id="{09AEE076-593A-4C1B-AED1-3B26C34E752D}"/>
+              </a:ext>
+            </a:extLst>
+          </p:cNvPr>
+          <p:cNvSpPr txBox="1"/>
+          <p:nvPr/>
+        </p:nvSpPr>
+        <p:spPr>
+          <a:xfrm>
+            <a:off x="4024760" y="2751957"/>
+            <a:ext cx="367779" cy="246221"/>
+          </a:xfrm>
+          <a:prstGeom prst="rect">
+            <a:avLst/>
+          </a:prstGeom>
+          <a:noFill/>
+        </p:spPr>
+        <p:txBody>
+          <a:bodyPr wrap="square" rtlCol="0">
+            <a:spAutoFit/>
+          </a:bodyPr>
+          <a:lstStyle/>
+          <a:p>
+            <a:r>
+              <a:rPr lang="de-DE" sz="1000" dirty="0">
+                <a:solidFill>
+                  <a:srgbClr val="0070C0"/>
+                </a:solidFill>
+              </a:rPr>
+              <a:t>IN4</a:t>
+            </a:r>
+          </a:p>
+        </p:txBody>
+      </p:sp>
+      <p:sp>
+        <p:nvSpPr>
+          <p:cNvPr id="73" name="Textfeld 72">
+            <a:extLst>
+              <a:ext uri="{FF2B5EF4-FFF2-40B4-BE49-F238E27FC236}">
+                <a16:creationId xmlns:a16="http://schemas.microsoft.com/office/drawing/2014/main" id="{C7042ACD-EEC2-4E50-96C3-D09C19CC907D}"/>
+              </a:ext>
+            </a:extLst>
+          </p:cNvPr>
+          <p:cNvSpPr txBox="1"/>
+          <p:nvPr/>
+        </p:nvSpPr>
+        <p:spPr>
+          <a:xfrm>
+            <a:off x="2183975" y="2928617"/>
+            <a:ext cx="1312749" cy="338554"/>
+          </a:xfrm>
+          <a:prstGeom prst="rect">
+            <a:avLst/>
+          </a:prstGeom>
+          <a:noFill/>
+        </p:spPr>
+        <p:txBody>
+          <a:bodyPr wrap="square" rtlCol="0">
+            <a:spAutoFit/>
+          </a:bodyPr>
+          <a:lstStyle/>
+          <a:p>
+            <a:r>
+              <a:rPr lang="de-DE" sz="800" dirty="0">
+                <a:solidFill>
+                  <a:srgbClr val="FF0000"/>
+                </a:solidFill>
+              </a:rPr>
+              <a:t>Spannungsversorgung Motor (max. 35V)</a:t>
+            </a:r>
+          </a:p>
+        </p:txBody>
+      </p:sp>
+      <p:sp>
+        <p:nvSpPr>
+          <p:cNvPr id="74" name="Textfeld 73">
+            <a:extLst>
+              <a:ext uri="{FF2B5EF4-FFF2-40B4-BE49-F238E27FC236}">
+                <a16:creationId xmlns:a16="http://schemas.microsoft.com/office/drawing/2014/main" id="{F29DEB6C-B38B-4E33-9D0F-5016B85E3BA1}"/>
+              </a:ext>
+            </a:extLst>
+          </p:cNvPr>
+          <p:cNvSpPr txBox="1"/>
+          <p:nvPr/>
+        </p:nvSpPr>
+        <p:spPr>
+          <a:xfrm>
+            <a:off x="3997190" y="1947657"/>
+            <a:ext cx="1105155" cy="338554"/>
+          </a:xfrm>
+          <a:prstGeom prst="rect">
+            <a:avLst/>
+          </a:prstGeom>
+          <a:noFill/>
+        </p:spPr>
+        <p:txBody>
+          <a:bodyPr wrap="square" rtlCol="0">
+            <a:spAutoFit/>
+          </a:bodyPr>
+          <a:lstStyle/>
+          <a:p>
+            <a:r>
+              <a:rPr lang="de-DE" sz="800" dirty="0">
+                <a:solidFill>
+                  <a:srgbClr val="FF0000"/>
+                </a:solidFill>
+              </a:rPr>
+              <a:t>Spannungsversorgung Logik 3,3V – 7V</a:t>
+            </a:r>
+          </a:p>
+        </p:txBody>
+      </p:sp>
+      <p:sp>
+        <p:nvSpPr>
+          <p:cNvPr id="75" name="Textfeld 74">
+            <a:extLst>
+              <a:ext uri="{FF2B5EF4-FFF2-40B4-BE49-F238E27FC236}">
+                <a16:creationId xmlns:a16="http://schemas.microsoft.com/office/drawing/2014/main" id="{2A570F18-8984-4B10-8B61-5EC40C67513F}"/>
+              </a:ext>
+            </a:extLst>
+          </p:cNvPr>
+          <p:cNvSpPr txBox="1"/>
+          <p:nvPr/>
+        </p:nvSpPr>
+        <p:spPr>
+          <a:xfrm>
+            <a:off x="4109721" y="2934284"/>
+            <a:ext cx="1211638" cy="954107"/>
+          </a:xfrm>
+          <a:prstGeom prst="rect">
+            <a:avLst/>
+          </a:prstGeom>
+          <a:noFill/>
+        </p:spPr>
+        <p:txBody>
+          <a:bodyPr wrap="square" rtlCol="0">
+            <a:spAutoFit/>
+          </a:bodyPr>
+          <a:lstStyle/>
+          <a:p>
+            <a:r>
+              <a:rPr lang="de-DE" sz="800" dirty="0">
+                <a:solidFill>
+                  <a:srgbClr val="FF0000"/>
+                </a:solidFill>
+              </a:rPr>
+              <a:t>Über die Pins EN1,2 und EN3,4 kann mittels PWM Signal die Motorgeschwindigkeit gedrosselt werden. Wir verbinden dieses mit Vcc1 also +5V</a:t>
+            </a:r>
+          </a:p>
+        </p:txBody>
+      </p:sp>
+      <p:pic>
+        <p:nvPicPr>
+          <p:cNvPr id="76" name="Grafik 75">
+            <a:extLst>
+              <a:ext uri="{FF2B5EF4-FFF2-40B4-BE49-F238E27FC236}">
+                <a16:creationId xmlns:a16="http://schemas.microsoft.com/office/drawing/2014/main" id="{573D0C82-A037-4906-8FD5-55095ADA4AAC}"/>
+              </a:ext>
+            </a:extLst>
+          </p:cNvPr>
+          <p:cNvPicPr>
+            <a:picLocks noChangeAspect="1"/>
+          </p:cNvPicPr>
+          <p:nvPr/>
+        </p:nvPicPr>
+        <p:blipFill rotWithShape="1">
+          <a:blip r:embed="rId8"/>
+          <a:srcRect l="20643" t="60179" r="21364"/>
+          <a:stretch/>
+        </p:blipFill>
+        <p:spPr>
+          <a:xfrm>
+            <a:off x="64154" y="3784233"/>
+            <a:ext cx="2552701" cy="1563430"/>
+          </a:xfrm>
+          <a:prstGeom prst="rect">
+            <a:avLst/>
+          </a:prstGeom>
+        </p:spPr>
+      </p:pic>
+      <p:sp>
+        <p:nvSpPr>
+          <p:cNvPr id="77" name="Ellipse 76">
+            <a:extLst>
+              <a:ext uri="{FF2B5EF4-FFF2-40B4-BE49-F238E27FC236}">
+                <a16:creationId xmlns:a16="http://schemas.microsoft.com/office/drawing/2014/main" id="{8D0BEE72-F553-4E95-B39B-B990E487A055}"/>
+              </a:ext>
+            </a:extLst>
+          </p:cNvPr>
+          <p:cNvSpPr/>
+          <p:nvPr/>
+        </p:nvSpPr>
+        <p:spPr>
+          <a:xfrm>
+            <a:off x="328807" y="5126506"/>
+            <a:ext cx="120345" cy="124673"/>
+          </a:xfrm>
+          <a:prstGeom prst="ellipse">
+            <a:avLst/>
+          </a:prstGeom>
+          <a:noFill/>
+          <a:ln>
+            <a:solidFill>
+              <a:srgbClr val="FF0000"/>
+            </a:solidFill>
+          </a:ln>
+        </p:spPr>
+        <p:style>
+          <a:lnRef idx="2">
+            <a:schemeClr val="accent1">
+              <a:shade val="50000"/>
+            </a:schemeClr>
+          </a:lnRef>
+          <a:fillRef idx="1">
+            <a:schemeClr val="accent1"/>
+          </a:fillRef>
+          <a:effectRef idx="0">
+            <a:schemeClr val="accent1"/>
+          </a:effectRef>
+          <a:fontRef idx="minor">
+            <a:schemeClr val="lt1"/>
+          </a:fontRef>
+        </p:style>
+        <p:txBody>
+          <a:bodyPr rtlCol="0" anchor="ctr"/>
+          <a:lstStyle/>
+          <a:p>
+            <a:pPr algn="ctr"/>
+            <a:endParaRPr lang="de-DE"/>
+          </a:p>
+        </p:txBody>
+      </p:sp>
+      <p:sp>
+        <p:nvSpPr>
+          <p:cNvPr id="78" name="Ellipse 77">
+            <a:extLst>
+              <a:ext uri="{FF2B5EF4-FFF2-40B4-BE49-F238E27FC236}">
+                <a16:creationId xmlns:a16="http://schemas.microsoft.com/office/drawing/2014/main" id="{D94B8301-4C80-4D1D-8444-D4B95F10DDCB}"/>
+              </a:ext>
+            </a:extLst>
+          </p:cNvPr>
+          <p:cNvSpPr/>
+          <p:nvPr/>
+        </p:nvSpPr>
+        <p:spPr>
+          <a:xfrm>
+            <a:off x="519717" y="5126506"/>
+            <a:ext cx="120345" cy="124673"/>
+          </a:xfrm>
+          <a:prstGeom prst="ellipse">
+            <a:avLst/>
+          </a:prstGeom>
+          <a:noFill/>
+          <a:ln>
+            <a:solidFill>
+              <a:srgbClr val="FF0000"/>
+            </a:solidFill>
+          </a:ln>
+        </p:spPr>
+        <p:style>
+          <a:lnRef idx="2">
+            <a:schemeClr val="accent1">
+              <a:shade val="50000"/>
+            </a:schemeClr>
+          </a:lnRef>
+          <a:fillRef idx="1">
+            <a:schemeClr val="accent1"/>
+          </a:fillRef>
+          <a:effectRef idx="0">
+            <a:schemeClr val="accent1"/>
+          </a:effectRef>
+          <a:fontRef idx="minor">
+            <a:schemeClr val="lt1"/>
+          </a:fontRef>
+        </p:style>
+        <p:txBody>
+          <a:bodyPr rtlCol="0" anchor="ctr"/>
+          <a:lstStyle/>
+          <a:p>
+            <a:pPr algn="ctr"/>
+            <a:endParaRPr lang="de-DE"/>
+          </a:p>
+        </p:txBody>
+      </p:sp>
+      <p:sp>
+        <p:nvSpPr>
+          <p:cNvPr id="79" name="Ellipse 78">
+            <a:extLst>
+              <a:ext uri="{FF2B5EF4-FFF2-40B4-BE49-F238E27FC236}">
+                <a16:creationId xmlns:a16="http://schemas.microsoft.com/office/drawing/2014/main" id="{29B7D147-870B-4A3D-BE90-C3BC0FCBA99B}"/>
+              </a:ext>
+            </a:extLst>
+          </p:cNvPr>
+          <p:cNvSpPr/>
+          <p:nvPr/>
+        </p:nvSpPr>
+        <p:spPr>
+          <a:xfrm>
+            <a:off x="332337" y="4939411"/>
+            <a:ext cx="120345" cy="124673"/>
+          </a:xfrm>
+          <a:prstGeom prst="ellipse">
+            <a:avLst/>
+          </a:prstGeom>
+          <a:noFill/>
+          <a:ln>
+            <a:solidFill>
+              <a:srgbClr val="FF0000"/>
+            </a:solidFill>
+          </a:ln>
+        </p:spPr>
+        <p:style>
+          <a:lnRef idx="2">
+            <a:schemeClr val="accent1">
+              <a:shade val="50000"/>
+            </a:schemeClr>
+          </a:lnRef>
+          <a:fillRef idx="1">
+            <a:schemeClr val="accent1"/>
+          </a:fillRef>
+          <a:effectRef idx="0">
+            <a:schemeClr val="accent1"/>
+          </a:effectRef>
+          <a:fontRef idx="minor">
+            <a:schemeClr val="lt1"/>
+          </a:fontRef>
+        </p:style>
+        <p:txBody>
+          <a:bodyPr rtlCol="0" anchor="ctr"/>
+          <a:lstStyle/>
+          <a:p>
+            <a:pPr algn="ctr"/>
+            <a:endParaRPr lang="de-DE" dirty="0"/>
+          </a:p>
+        </p:txBody>
+      </p:sp>
+      <p:sp>
+        <p:nvSpPr>
+          <p:cNvPr id="80" name="Ellipse 79">
+            <a:extLst>
+              <a:ext uri="{FF2B5EF4-FFF2-40B4-BE49-F238E27FC236}">
+                <a16:creationId xmlns:a16="http://schemas.microsoft.com/office/drawing/2014/main" id="{A8522EAA-35F4-48C4-B53B-5F81EFA5D11D}"/>
+              </a:ext>
+            </a:extLst>
+          </p:cNvPr>
+          <p:cNvSpPr/>
+          <p:nvPr/>
+        </p:nvSpPr>
+        <p:spPr>
+          <a:xfrm>
+            <a:off x="519717" y="4939411"/>
+            <a:ext cx="120345" cy="124673"/>
+          </a:xfrm>
+          <a:prstGeom prst="ellipse">
+            <a:avLst/>
+          </a:prstGeom>
+          <a:noFill/>
+          <a:ln>
+            <a:solidFill>
+              <a:srgbClr val="FF0000"/>
+            </a:solidFill>
+          </a:ln>
+        </p:spPr>
+        <p:style>
+          <a:lnRef idx="2">
+            <a:schemeClr val="accent1">
+              <a:shade val="50000"/>
+            </a:schemeClr>
+          </a:lnRef>
+          <a:fillRef idx="1">
+            <a:schemeClr val="accent1"/>
+          </a:fillRef>
+          <a:effectRef idx="0">
+            <a:schemeClr val="accent1"/>
+          </a:effectRef>
+          <a:fontRef idx="minor">
+            <a:schemeClr val="lt1"/>
+          </a:fontRef>
+        </p:style>
+        <p:txBody>
+          <a:bodyPr rtlCol="0" anchor="ctr"/>
+          <a:lstStyle/>
+          <a:p>
+            <a:pPr algn="ctr"/>
+            <a:endParaRPr lang="de-DE" dirty="0"/>
+          </a:p>
+        </p:txBody>
+      </p:sp>
+      <p:sp>
+        <p:nvSpPr>
+          <p:cNvPr id="81" name="Ellipse 80">
+            <a:extLst>
+              <a:ext uri="{FF2B5EF4-FFF2-40B4-BE49-F238E27FC236}">
+                <a16:creationId xmlns:a16="http://schemas.microsoft.com/office/drawing/2014/main" id="{56CBF0E5-B83D-4978-9ABF-9F5BE251C7ED}"/>
+              </a:ext>
+            </a:extLst>
+          </p:cNvPr>
+          <p:cNvSpPr/>
+          <p:nvPr/>
+        </p:nvSpPr>
+        <p:spPr>
+          <a:xfrm>
+            <a:off x="964264" y="3817661"/>
+            <a:ext cx="48263" cy="50763"/>
+          </a:xfrm>
+          <a:prstGeom prst="ellipse">
+            <a:avLst/>
+          </a:prstGeom>
+          <a:noFill/>
+          <a:ln>
+            <a:solidFill>
+              <a:srgbClr val="FF0000"/>
+            </a:solidFill>
+          </a:ln>
+        </p:spPr>
+        <p:style>
+          <a:lnRef idx="2">
+            <a:schemeClr val="accent1">
+              <a:shade val="50000"/>
+            </a:schemeClr>
+          </a:lnRef>
+          <a:fillRef idx="1">
+            <a:schemeClr val="accent1"/>
+          </a:fillRef>
+          <a:effectRef idx="0">
+            <a:schemeClr val="accent1"/>
+          </a:effectRef>
+          <a:fontRef idx="minor">
+            <a:schemeClr val="lt1"/>
+          </a:fontRef>
+        </p:style>
+        <p:txBody>
+          <a:bodyPr rtlCol="0" anchor="ctr"/>
+          <a:lstStyle/>
+          <a:p>
+            <a:pPr algn="ctr"/>
+            <a:endParaRPr lang="de-DE"/>
+          </a:p>
+        </p:txBody>
+      </p:sp>
+      <p:sp>
+        <p:nvSpPr>
+          <p:cNvPr id="82" name="Ellipse 81">
+            <a:extLst>
+              <a:ext uri="{FF2B5EF4-FFF2-40B4-BE49-F238E27FC236}">
+                <a16:creationId xmlns:a16="http://schemas.microsoft.com/office/drawing/2014/main" id="{9091C2EA-7E80-41DB-8D0E-1883DB09189E}"/>
+              </a:ext>
+            </a:extLst>
+          </p:cNvPr>
+          <p:cNvSpPr/>
+          <p:nvPr/>
+        </p:nvSpPr>
+        <p:spPr>
+          <a:xfrm>
+            <a:off x="964264" y="3903358"/>
+            <a:ext cx="48263" cy="50763"/>
+          </a:xfrm>
+          <a:prstGeom prst="ellipse">
+            <a:avLst/>
+          </a:prstGeom>
+          <a:noFill/>
+          <a:ln>
+            <a:solidFill>
+              <a:srgbClr val="FF0000"/>
+            </a:solidFill>
+          </a:ln>
+        </p:spPr>
+        <p:style>
+          <a:lnRef idx="2">
+            <a:schemeClr val="accent1">
+              <a:shade val="50000"/>
+            </a:schemeClr>
+          </a:lnRef>
+          <a:fillRef idx="1">
+            <a:schemeClr val="accent1"/>
+          </a:fillRef>
+          <a:effectRef idx="0">
+            <a:schemeClr val="accent1"/>
+          </a:effectRef>
+          <a:fontRef idx="minor">
+            <a:schemeClr val="lt1"/>
+          </a:fontRef>
+        </p:style>
+        <p:txBody>
+          <a:bodyPr rtlCol="0" anchor="ctr"/>
+          <a:lstStyle/>
+          <a:p>
+            <a:pPr algn="ctr"/>
+            <a:endParaRPr lang="de-DE"/>
+          </a:p>
+        </p:txBody>
+      </p:sp>
+      <p:sp>
+        <p:nvSpPr>
+          <p:cNvPr id="83" name="Ellipse 82">
+            <a:extLst>
+              <a:ext uri="{FF2B5EF4-FFF2-40B4-BE49-F238E27FC236}">
+                <a16:creationId xmlns:a16="http://schemas.microsoft.com/office/drawing/2014/main" id="{A9669EF8-B112-4C3B-BB83-AE9234AFEA68}"/>
+              </a:ext>
+            </a:extLst>
+          </p:cNvPr>
+          <p:cNvSpPr/>
+          <p:nvPr/>
+        </p:nvSpPr>
+        <p:spPr>
+          <a:xfrm>
+            <a:off x="874006" y="3903357"/>
+            <a:ext cx="48263" cy="50763"/>
+          </a:xfrm>
+          <a:prstGeom prst="ellipse">
+            <a:avLst/>
+          </a:prstGeom>
+          <a:noFill/>
+          <a:ln>
+            <a:solidFill>
+              <a:srgbClr val="FF0000"/>
+            </a:solidFill>
+          </a:ln>
+        </p:spPr>
+        <p:style>
+          <a:lnRef idx="2">
+            <a:schemeClr val="accent1">
+              <a:shade val="50000"/>
+            </a:schemeClr>
+          </a:lnRef>
+          <a:fillRef idx="1">
+            <a:schemeClr val="accent1"/>
+          </a:fillRef>
+          <a:effectRef idx="0">
+            <a:schemeClr val="accent1"/>
+          </a:effectRef>
+          <a:fontRef idx="minor">
+            <a:schemeClr val="lt1"/>
+          </a:fontRef>
+        </p:style>
+        <p:txBody>
+          <a:bodyPr rtlCol="0" anchor="ctr"/>
+          <a:lstStyle/>
+          <a:p>
+            <a:pPr algn="ctr"/>
+            <a:endParaRPr lang="de-DE"/>
+          </a:p>
+        </p:txBody>
+      </p:sp>
+      <p:sp>
+        <p:nvSpPr>
+          <p:cNvPr id="84" name="Ellipse 83">
+            <a:extLst>
+              <a:ext uri="{FF2B5EF4-FFF2-40B4-BE49-F238E27FC236}">
+                <a16:creationId xmlns:a16="http://schemas.microsoft.com/office/drawing/2014/main" id="{BD6F6515-53C2-478D-A163-32FF4D5F68A4}"/>
+              </a:ext>
+            </a:extLst>
+          </p:cNvPr>
+          <p:cNvSpPr/>
+          <p:nvPr/>
+        </p:nvSpPr>
+        <p:spPr>
+          <a:xfrm>
+            <a:off x="876387" y="3815088"/>
+            <a:ext cx="48263" cy="50763"/>
+          </a:xfrm>
+          <a:prstGeom prst="ellipse">
+            <a:avLst/>
+          </a:prstGeom>
+          <a:noFill/>
+          <a:ln>
+            <a:solidFill>
+              <a:srgbClr val="FF0000"/>
+            </a:solidFill>
+          </a:ln>
+        </p:spPr>
+        <p:style>
+          <a:lnRef idx="2">
+            <a:schemeClr val="accent1">
+              <a:shade val="50000"/>
+            </a:schemeClr>
+          </a:lnRef>
+          <a:fillRef idx="1">
+            <a:schemeClr val="accent1"/>
+          </a:fillRef>
+          <a:effectRef idx="0">
+            <a:schemeClr val="accent1"/>
+          </a:effectRef>
+          <a:fontRef idx="minor">
+            <a:schemeClr val="lt1"/>
+          </a:fontRef>
+        </p:style>
+        <p:txBody>
+          <a:bodyPr rtlCol="0" anchor="ctr"/>
+          <a:lstStyle/>
+          <a:p>
+            <a:pPr algn="ctr"/>
+            <a:endParaRPr lang="de-DE"/>
+          </a:p>
+        </p:txBody>
+      </p:sp>
+      <p:sp>
+        <p:nvSpPr>
+          <p:cNvPr id="86" name="Textfeld 85">
+            <a:extLst>
+              <a:ext uri="{FF2B5EF4-FFF2-40B4-BE49-F238E27FC236}">
+                <a16:creationId xmlns:a16="http://schemas.microsoft.com/office/drawing/2014/main" id="{5E2F3757-9ED0-4401-883E-171F7B796FFE}"/>
+              </a:ext>
+            </a:extLst>
+          </p:cNvPr>
+          <p:cNvSpPr txBox="1"/>
+          <p:nvPr/>
+        </p:nvSpPr>
+        <p:spPr>
+          <a:xfrm>
+            <a:off x="133861" y="5191008"/>
+            <a:ext cx="367779" cy="246221"/>
+          </a:xfrm>
+          <a:prstGeom prst="rect">
+            <a:avLst/>
+          </a:prstGeom>
+          <a:noFill/>
+        </p:spPr>
+        <p:txBody>
+          <a:bodyPr wrap="square" rtlCol="0">
+            <a:spAutoFit/>
+          </a:bodyPr>
+          <a:lstStyle/>
+          <a:p>
+            <a:r>
+              <a:rPr lang="de-DE" sz="1000" dirty="0">
+                <a:solidFill>
+                  <a:srgbClr val="0070C0"/>
+                </a:solidFill>
+              </a:rPr>
+              <a:t>IN1</a:t>
+            </a:r>
+          </a:p>
+        </p:txBody>
+      </p:sp>
+      <p:sp>
+        <p:nvSpPr>
+          <p:cNvPr id="87" name="Textfeld 86">
+            <a:extLst>
+              <a:ext uri="{FF2B5EF4-FFF2-40B4-BE49-F238E27FC236}">
+                <a16:creationId xmlns:a16="http://schemas.microsoft.com/office/drawing/2014/main" id="{D7D26503-81A5-4E73-881D-818E27621F9C}"/>
+              </a:ext>
+            </a:extLst>
+          </p:cNvPr>
+          <p:cNvSpPr txBox="1"/>
+          <p:nvPr/>
+        </p:nvSpPr>
+        <p:spPr>
+          <a:xfrm>
+            <a:off x="135141" y="4738947"/>
+            <a:ext cx="377154" cy="247193"/>
+          </a:xfrm>
+          <a:prstGeom prst="rect">
+            <a:avLst/>
+          </a:prstGeom>
+          <a:noFill/>
+        </p:spPr>
+        <p:txBody>
+          <a:bodyPr wrap="square" rtlCol="0">
+            <a:spAutoFit/>
+          </a:bodyPr>
+          <a:lstStyle/>
+          <a:p>
+            <a:r>
+              <a:rPr lang="de-DE" sz="1000" dirty="0">
+                <a:solidFill>
+                  <a:srgbClr val="0070C0"/>
+                </a:solidFill>
+              </a:rPr>
+              <a:t>IN2</a:t>
+            </a:r>
+          </a:p>
+        </p:txBody>
+      </p:sp>
+      <p:sp>
+        <p:nvSpPr>
+          <p:cNvPr id="88" name="Textfeld 87">
+            <a:extLst>
+              <a:ext uri="{FF2B5EF4-FFF2-40B4-BE49-F238E27FC236}">
+                <a16:creationId xmlns:a16="http://schemas.microsoft.com/office/drawing/2014/main" id="{D39EA8CA-5128-470E-85D2-EDDED5B1EB04}"/>
+              </a:ext>
+            </a:extLst>
+          </p:cNvPr>
+          <p:cNvSpPr txBox="1"/>
+          <p:nvPr/>
+        </p:nvSpPr>
+        <p:spPr>
+          <a:xfrm>
+            <a:off x="504948" y="5188725"/>
+            <a:ext cx="367779" cy="246221"/>
+          </a:xfrm>
+          <a:prstGeom prst="rect">
+            <a:avLst/>
+          </a:prstGeom>
+          <a:noFill/>
+        </p:spPr>
+        <p:txBody>
+          <a:bodyPr wrap="square" rtlCol="0">
+            <a:spAutoFit/>
+          </a:bodyPr>
+          <a:lstStyle/>
+          <a:p>
+            <a:r>
+              <a:rPr lang="de-DE" sz="1000" dirty="0">
+                <a:solidFill>
+                  <a:srgbClr val="0070C0"/>
+                </a:solidFill>
+              </a:rPr>
+              <a:t>IN3</a:t>
+            </a:r>
+          </a:p>
+        </p:txBody>
+      </p:sp>
+      <p:sp>
+        <p:nvSpPr>
+          <p:cNvPr id="89" name="Textfeld 88">
+            <a:extLst>
+              <a:ext uri="{FF2B5EF4-FFF2-40B4-BE49-F238E27FC236}">
+                <a16:creationId xmlns:a16="http://schemas.microsoft.com/office/drawing/2014/main" id="{97E9E7DA-23D6-4962-9304-0F4C91F33281}"/>
+              </a:ext>
+            </a:extLst>
+          </p:cNvPr>
+          <p:cNvSpPr txBox="1"/>
+          <p:nvPr/>
+        </p:nvSpPr>
+        <p:spPr>
+          <a:xfrm>
+            <a:off x="506227" y="4743935"/>
+            <a:ext cx="367779" cy="246221"/>
+          </a:xfrm>
+          <a:prstGeom prst="rect">
+            <a:avLst/>
+          </a:prstGeom>
+          <a:noFill/>
+        </p:spPr>
+        <p:txBody>
+          <a:bodyPr wrap="square" rtlCol="0">
+            <a:spAutoFit/>
+          </a:bodyPr>
+          <a:lstStyle/>
+          <a:p>
+            <a:r>
+              <a:rPr lang="de-DE" sz="1000" dirty="0">
+                <a:solidFill>
+                  <a:srgbClr val="0070C0"/>
+                </a:solidFill>
+              </a:rPr>
+              <a:t>IN4</a:t>
+            </a:r>
+          </a:p>
+        </p:txBody>
+      </p:sp>
+      <p:sp>
+        <p:nvSpPr>
+          <p:cNvPr id="91" name="Textfeld 90">
+            <a:extLst>
+              <a:ext uri="{FF2B5EF4-FFF2-40B4-BE49-F238E27FC236}">
+                <a16:creationId xmlns:a16="http://schemas.microsoft.com/office/drawing/2014/main" id="{30C07377-12E0-40E6-A94E-B639A2A7D896}"/>
+              </a:ext>
+            </a:extLst>
+          </p:cNvPr>
+          <p:cNvSpPr txBox="1"/>
+          <p:nvPr/>
+        </p:nvSpPr>
+        <p:spPr>
+          <a:xfrm>
+            <a:off x="2656469" y="3696232"/>
+            <a:ext cx="2019453" cy="1061829"/>
+          </a:xfrm>
+          <a:prstGeom prst="rect">
+            <a:avLst/>
+          </a:prstGeom>
+          <a:noFill/>
+        </p:spPr>
+        <p:txBody>
+          <a:bodyPr wrap="square" rtlCol="0">
+            <a:spAutoFit/>
+          </a:bodyPr>
+          <a:lstStyle/>
+          <a:p>
+            <a:r>
+              <a:rPr lang="de-DE" sz="900" b="1" dirty="0"/>
+              <a:t>Hinweis:</a:t>
+            </a:r>
+          </a:p>
+          <a:p>
+            <a:r>
+              <a:rPr lang="de-DE" sz="900" dirty="0"/>
+              <a:t>Sollte etwas nicht funktionieren oder der Chip heiß werden trenne sofort die Verbindung zum </a:t>
+            </a:r>
+            <a:r>
+              <a:rPr lang="de-DE" sz="900" dirty="0" err="1"/>
+              <a:t>Calliope</a:t>
+            </a:r>
+            <a:r>
+              <a:rPr lang="de-DE" sz="900" dirty="0"/>
+              <a:t> und der Batterie!</a:t>
+            </a:r>
+          </a:p>
+          <a:p>
+            <a:r>
+              <a:rPr lang="de-DE" sz="900" dirty="0"/>
+              <a:t>Lass dir bei einem solchen Problem helfen.</a:t>
+            </a:r>
+          </a:p>
+        </p:txBody>
+      </p:sp>
+      <p:sp>
+        <p:nvSpPr>
+          <p:cNvPr id="59" name="Textfeld 58">
+            <a:extLst>
+              <a:ext uri="{FF2B5EF4-FFF2-40B4-BE49-F238E27FC236}">
+                <a16:creationId xmlns:a16="http://schemas.microsoft.com/office/drawing/2014/main" id="{2AE406FE-1EB2-4DB8-9B48-D6613F5B66C8}"/>
+              </a:ext>
+            </a:extLst>
+          </p:cNvPr>
+          <p:cNvSpPr txBox="1"/>
+          <p:nvPr/>
+        </p:nvSpPr>
+        <p:spPr>
+          <a:xfrm>
+            <a:off x="3863830" y="7040425"/>
+            <a:ext cx="1452451" cy="519250"/>
+          </a:xfrm>
+          <a:prstGeom prst="rect">
+            <a:avLst/>
+          </a:prstGeom>
+          <a:noFill/>
+          <a:ln>
+            <a:solidFill>
+              <a:schemeClr val="tx1"/>
+            </a:solidFill>
+          </a:ln>
+        </p:spPr>
+        <p:txBody>
+          <a:bodyPr wrap="square" rtlCol="0">
+            <a:spAutoFit/>
+          </a:bodyPr>
+          <a:lstStyle/>
+          <a:p>
+            <a:r>
+              <a:rPr lang="de-DE" sz="900" b="1" dirty="0">
+                <a:solidFill>
+                  <a:srgbClr val="F99B1C"/>
+                </a:solidFill>
+              </a:rPr>
+              <a:t>Link zum Motorpaket:</a:t>
+            </a:r>
+          </a:p>
+          <a:p>
+            <a:r>
+              <a:rPr lang="de-DE" sz="900" dirty="0">
+                <a:solidFill>
+                  <a:srgbClr val="F99B1C"/>
+                </a:solidFill>
+              </a:rPr>
+              <a:t>https://github.com/r00b1nh00d/KISS-MINT-MOTOR</a:t>
+            </a:r>
+          </a:p>
+        </p:txBody>
+      </p:sp>
+      <p:pic>
+        <p:nvPicPr>
+          <p:cNvPr id="8" name="Grafik 7">
+            <a:extLst>
+              <a:ext uri="{FF2B5EF4-FFF2-40B4-BE49-F238E27FC236}">
+                <a16:creationId xmlns:a16="http://schemas.microsoft.com/office/drawing/2014/main" id="{B815AED1-48B4-4169-93FF-9171765E744B}"/>
+              </a:ext>
+            </a:extLst>
+          </p:cNvPr>
+          <p:cNvPicPr>
+            <a:picLocks noChangeAspect="1"/>
+          </p:cNvPicPr>
+          <p:nvPr/>
+        </p:nvPicPr>
+        <p:blipFill rotWithShape="1">
+          <a:blip r:embed="rId9" cstate="print">
+            <a:extLst>
+              <a:ext uri="{28A0092B-C50C-407E-A947-70E740481C1C}">
+                <a14:useLocalDpi xmlns:a14="http://schemas.microsoft.com/office/drawing/2010/main" val="0"/>
+              </a:ext>
+            </a:extLst>
+          </a:blip>
+          <a:srcRect l="44743" t="44981" r="43298" b="41884"/>
+          <a:stretch/>
+        </p:blipFill>
+        <p:spPr>
+          <a:xfrm>
+            <a:off x="1108208" y="800387"/>
+            <a:ext cx="572275" cy="471384"/>
+          </a:xfrm>
+          <a:prstGeom prst="rect">
+            <a:avLst/>
+          </a:prstGeom>
+        </p:spPr>
+      </p:pic>
+      <p:pic>
+        <p:nvPicPr>
+          <p:cNvPr id="12" name="Grafik 11">
+            <a:extLst>
+              <a:ext uri="{FF2B5EF4-FFF2-40B4-BE49-F238E27FC236}">
+                <a16:creationId xmlns:a16="http://schemas.microsoft.com/office/drawing/2014/main" id="{5639E5C9-D113-43CC-ABD8-E843E8C1D4A5}"/>
+              </a:ext>
+            </a:extLst>
+          </p:cNvPr>
+          <p:cNvPicPr>
+            <a:picLocks noChangeAspect="1"/>
+          </p:cNvPicPr>
+          <p:nvPr/>
+        </p:nvPicPr>
+        <p:blipFill>
+          <a:blip r:embed="rId10"/>
+          <a:stretch>
+            <a:fillRect/>
+          </a:stretch>
+        </p:blipFill>
+        <p:spPr>
+          <a:xfrm>
+            <a:off x="857884" y="7014151"/>
+            <a:ext cx="1984677" cy="278108"/>
+          </a:xfrm>
+          <a:prstGeom prst="rect">
+            <a:avLst/>
+          </a:prstGeom>
+        </p:spPr>
+      </p:pic>
+      <p:pic>
+        <p:nvPicPr>
+          <p:cNvPr id="13" name="Grafik 12">
+            <a:extLst>
+              <a:ext uri="{FF2B5EF4-FFF2-40B4-BE49-F238E27FC236}">
+                <a16:creationId xmlns:a16="http://schemas.microsoft.com/office/drawing/2014/main" id="{6AD9CD8E-73D1-46A6-A239-4660D0966CE7}"/>
+              </a:ext>
+            </a:extLst>
+          </p:cNvPr>
+          <p:cNvPicPr>
+            <a:picLocks noChangeAspect="1"/>
+          </p:cNvPicPr>
+          <p:nvPr/>
+        </p:nvPicPr>
+        <p:blipFill>
+          <a:blip r:embed="rId11"/>
+          <a:stretch>
+            <a:fillRect/>
+          </a:stretch>
+        </p:blipFill>
+        <p:spPr>
+          <a:xfrm>
+            <a:off x="44464" y="6417760"/>
+            <a:ext cx="1632446" cy="206729"/>
+          </a:xfrm>
+          <a:prstGeom prst="rect">
+            <a:avLst/>
+          </a:prstGeom>
+        </p:spPr>
+      </p:pic>
+      <p:pic>
+        <p:nvPicPr>
+          <p:cNvPr id="14" name="Grafik 13">
+            <a:extLst>
+              <a:ext uri="{FF2B5EF4-FFF2-40B4-BE49-F238E27FC236}">
+                <a16:creationId xmlns:a16="http://schemas.microsoft.com/office/drawing/2014/main" id="{7503F635-1645-4936-946C-661C86EDF619}"/>
+              </a:ext>
+            </a:extLst>
+          </p:cNvPr>
+          <p:cNvPicPr>
+            <a:picLocks noChangeAspect="1"/>
+          </p:cNvPicPr>
+          <p:nvPr/>
+        </p:nvPicPr>
+        <p:blipFill>
+          <a:blip r:embed="rId12"/>
+          <a:stretch>
+            <a:fillRect/>
+          </a:stretch>
+        </p:blipFill>
+        <p:spPr>
+          <a:xfrm>
+            <a:off x="2962125" y="5918519"/>
+            <a:ext cx="1984677" cy="289078"/>
+          </a:xfrm>
+          <a:prstGeom prst="rect">
+            <a:avLst/>
+          </a:prstGeom>
+        </p:spPr>
+      </p:pic>
+      <p:pic>
+        <p:nvPicPr>
+          <p:cNvPr id="15" name="Grafik 14">
+            <a:extLst>
+              <a:ext uri="{FF2B5EF4-FFF2-40B4-BE49-F238E27FC236}">
+                <a16:creationId xmlns:a16="http://schemas.microsoft.com/office/drawing/2014/main" id="{26E7DE98-0F4D-4053-BAD5-AC790174FAD1}"/>
+              </a:ext>
+            </a:extLst>
+          </p:cNvPr>
+          <p:cNvPicPr>
+            <a:picLocks noChangeAspect="1"/>
+          </p:cNvPicPr>
+          <p:nvPr/>
+        </p:nvPicPr>
+        <p:blipFill>
+          <a:blip r:embed="rId13"/>
+          <a:stretch>
+            <a:fillRect/>
+          </a:stretch>
+        </p:blipFill>
+        <p:spPr>
+          <a:xfrm>
+            <a:off x="3736214" y="6769515"/>
+            <a:ext cx="1256680" cy="264564"/>
+          </a:xfrm>
+          <a:prstGeom prst="rect">
+            <a:avLst/>
+          </a:prstGeom>
+        </p:spPr>
+      </p:pic>
+    </p:spTree>
+    <p:extLst>
+      <p:ext uri="{BB962C8B-B14F-4D97-AF65-F5344CB8AC3E}">
+        <p14:creationId xmlns:p14="http://schemas.microsoft.com/office/powerpoint/2010/main" val="2130707470"/>
+      </p:ext>
+    </p:extLst>
+  </p:cSld>
+  <p:clrMapOvr>
+    <a:masterClrMapping/>
+  </p:clrMapOvr>
+</p:sld>
+</file>
+
+<file path=ppt/slides/slide6.xml><?xml version="1.0" encoding="utf-8"?>
 <p:sld xmlns:a="http://schemas.openxmlformats.org/drawingml/2006/main" xmlns:r="http://schemas.openxmlformats.org/officeDocument/2006/relationships" xmlns:p="http://schemas.openxmlformats.org/presentationml/2006/main">
   <p:cSld>
     <p:spTree>

--- a/Handouts/Handouts-Motor_USR_Servo_IR.pptx
+++ b/Handouts/Handouts-Motor_USR_Servo_IR.pptx
@@ -5,7 +5,7 @@
     <p:sldMasterId id="2147483672" r:id="rId1"/>
   </p:sldMasterIdLst>
   <p:handoutMasterIdLst>
-    <p:handoutMasterId r:id="rId8"/>
+    <p:handoutMasterId r:id="rId7"/>
   </p:handoutMasterIdLst>
   <p:sldIdLst>
     <p:sldId id="257" r:id="rId2"/>
@@ -13,7 +13,6 @@
     <p:sldId id="260" r:id="rId4"/>
     <p:sldId id="258" r:id="rId5"/>
     <p:sldId id="261" r:id="rId6"/>
-    <p:sldId id="259" r:id="rId7"/>
   </p:sldIdLst>
   <p:sldSz cx="5327650" cy="7559675"/>
   <p:notesSz cx="6858000" cy="9144000"/>
@@ -205,7 +204,7 @@
           <a:p>
             <a:fld id="{EBF56900-53CD-4F05-8A09-57F6FC314F09}" type="datetimeFigureOut">
               <a:rPr lang="de-DE" smtClean="0"/>
-              <a:t>10.02.2020</a:t>
+              <a:t>20.02.2020</a:t>
             </a:fld>
             <a:endParaRPr lang="de-DE"/>
           </a:p>
@@ -1084,7 +1083,7 @@
           <a:p>
             <a:fld id="{6EC89F69-2EBA-4449-A568-4BDE987D048B}" type="datetimeFigureOut">
               <a:rPr lang="de-DE" smtClean="0"/>
-              <a:t>10.02.2020</a:t>
+              <a:t>20.02.2020</a:t>
             </a:fld>
             <a:endParaRPr lang="de-DE"/>
           </a:p>
@@ -1254,7 +1253,7 @@
           <a:p>
             <a:fld id="{6EC89F69-2EBA-4449-A568-4BDE987D048B}" type="datetimeFigureOut">
               <a:rPr lang="de-DE" smtClean="0"/>
-              <a:t>10.02.2020</a:t>
+              <a:t>20.02.2020</a:t>
             </a:fld>
             <a:endParaRPr lang="de-DE"/>
           </a:p>
@@ -1434,7 +1433,7 @@
           <a:p>
             <a:fld id="{6EC89F69-2EBA-4449-A568-4BDE987D048B}" type="datetimeFigureOut">
               <a:rPr lang="de-DE" smtClean="0"/>
-              <a:t>10.02.2020</a:t>
+              <a:t>20.02.2020</a:t>
             </a:fld>
             <a:endParaRPr lang="de-DE"/>
           </a:p>
@@ -1626,7 +1625,7 @@
           <a:p>
             <a:fld id="{6EC89F69-2EBA-4449-A568-4BDE987D048B}" type="datetimeFigureOut">
               <a:rPr lang="de-DE" smtClean="0"/>
-              <a:t>10.02.2020</a:t>
+              <a:t>20.02.2020</a:t>
             </a:fld>
             <a:endParaRPr lang="de-DE"/>
           </a:p>
@@ -1829,7 +1828,7 @@
           <a:p>
             <a:fld id="{6EC89F69-2EBA-4449-A568-4BDE987D048B}" type="datetimeFigureOut">
               <a:rPr lang="de-DE" smtClean="0"/>
-              <a:t>10.02.2020</a:t>
+              <a:t>20.02.2020</a:t>
             </a:fld>
             <a:endParaRPr lang="de-DE"/>
           </a:p>
@@ -2073,7 +2072,7 @@
           <a:p>
             <a:fld id="{6EC89F69-2EBA-4449-A568-4BDE987D048B}" type="datetimeFigureOut">
               <a:rPr lang="de-DE" smtClean="0"/>
-              <a:t>10.02.2020</a:t>
+              <a:t>20.02.2020</a:t>
             </a:fld>
             <a:endParaRPr lang="de-DE"/>
           </a:p>
@@ -2305,7 +2304,7 @@
           <a:p>
             <a:fld id="{6EC89F69-2EBA-4449-A568-4BDE987D048B}" type="datetimeFigureOut">
               <a:rPr lang="de-DE" smtClean="0"/>
-              <a:t>10.02.2020</a:t>
+              <a:t>20.02.2020</a:t>
             </a:fld>
             <a:endParaRPr lang="de-DE"/>
           </a:p>
@@ -2672,7 +2671,7 @@
           <a:p>
             <a:fld id="{6EC89F69-2EBA-4449-A568-4BDE987D048B}" type="datetimeFigureOut">
               <a:rPr lang="de-DE" smtClean="0"/>
-              <a:t>10.02.2020</a:t>
+              <a:t>20.02.2020</a:t>
             </a:fld>
             <a:endParaRPr lang="de-DE"/>
           </a:p>
@@ -2790,7 +2789,7 @@
           <a:p>
             <a:fld id="{6EC89F69-2EBA-4449-A568-4BDE987D048B}" type="datetimeFigureOut">
               <a:rPr lang="de-DE" smtClean="0"/>
-              <a:t>10.02.2020</a:t>
+              <a:t>20.02.2020</a:t>
             </a:fld>
             <a:endParaRPr lang="de-DE"/>
           </a:p>
@@ -2885,7 +2884,7 @@
           <a:p>
             <a:fld id="{6EC89F69-2EBA-4449-A568-4BDE987D048B}" type="datetimeFigureOut">
               <a:rPr lang="de-DE" smtClean="0"/>
-              <a:t>10.02.2020</a:t>
+              <a:t>20.02.2020</a:t>
             </a:fld>
             <a:endParaRPr lang="de-DE"/>
           </a:p>
@@ -3162,7 +3161,7 @@
           <a:p>
             <a:fld id="{6EC89F69-2EBA-4449-A568-4BDE987D048B}" type="datetimeFigureOut">
               <a:rPr lang="de-DE" smtClean="0"/>
-              <a:t>10.02.2020</a:t>
+              <a:t>20.02.2020</a:t>
             </a:fld>
             <a:endParaRPr lang="de-DE"/>
           </a:p>
@@ -3375,7 +3374,7 @@
           <a:p>
             <a:fld id="{6EC89F69-2EBA-4449-A568-4BDE987D048B}" type="datetimeFigureOut">
               <a:rPr lang="de-DE" smtClean="0"/>
-              <a:t>10.02.2020</a:t>
+              <a:t>20.02.2020</a:t>
             </a:fld>
             <a:endParaRPr lang="de-DE"/>
           </a:p>
@@ -8019,7 +8018,7 @@
         <p:spPr>
           <a:xfrm>
             <a:off x="11369" y="5864725"/>
-            <a:ext cx="2456174" cy="1323439"/>
+            <a:ext cx="2456174" cy="1200329"/>
           </a:xfrm>
           <a:prstGeom prst="rect">
             <a:avLst/>
@@ -8047,15 +8046,12 @@
             </a:r>
           </a:p>
           <a:p>
+            <a:endParaRPr lang="de-DE" sz="800" dirty="0"/>
+          </a:p>
+          <a:p>
             <a:r>
               <a:rPr lang="de-DE" sz="800" dirty="0"/>
               <a:t>Dafür muss die doppelte H-Brücke an die Pins P0, P1, P2, P3 angeschlossen werden.</a:t>
-            </a:r>
-          </a:p>
-          <a:p>
-            <a:r>
-              <a:rPr lang="de-DE" sz="800" dirty="0"/>
-              <a:t>Im anderen Block können die verwendeten Pins frei gewählt werden.</a:t>
             </a:r>
           </a:p>
         </p:txBody>
@@ -10309,10 +10305,10 @@
       </p:pic>
       <p:pic>
         <p:nvPicPr>
-          <p:cNvPr id="12" name="Grafik 11">
+          <p:cNvPr id="15" name="Grafik 14">
             <a:extLst>
               <a:ext uri="{FF2B5EF4-FFF2-40B4-BE49-F238E27FC236}">
-                <a16:creationId xmlns:a16="http://schemas.microsoft.com/office/drawing/2014/main" id="{5639E5C9-D113-43CC-ABD8-E843E8C1D4A5}"/>
+                <a16:creationId xmlns:a16="http://schemas.microsoft.com/office/drawing/2014/main" id="{26E7DE98-0F4D-4053-BAD5-AC790174FAD1}"/>
               </a:ext>
             </a:extLst>
           </p:cNvPr>
@@ -10329,8 +10325,8 @@
         </p:blipFill>
         <p:spPr>
           <a:xfrm>
-            <a:off x="857884" y="7014151"/>
-            <a:ext cx="1984677" cy="278108"/>
+            <a:off x="3736214" y="6769515"/>
+            <a:ext cx="1256680" cy="264564"/>
           </a:xfrm>
           <a:prstGeom prst="rect">
             <a:avLst/>
@@ -10339,10 +10335,10 @@
       </p:pic>
       <p:pic>
         <p:nvPicPr>
-          <p:cNvPr id="13" name="Grafik 12">
+          <p:cNvPr id="5" name="Grafik 4">
             <a:extLst>
               <a:ext uri="{FF2B5EF4-FFF2-40B4-BE49-F238E27FC236}">
-                <a16:creationId xmlns:a16="http://schemas.microsoft.com/office/drawing/2014/main" id="{6AD9CD8E-73D1-46A6-A239-4660D0966CE7}"/>
+                <a16:creationId xmlns:a16="http://schemas.microsoft.com/office/drawing/2014/main" id="{54D20D89-3116-473C-84C2-D6FC1C139461}"/>
               </a:ext>
             </a:extLst>
           </p:cNvPr>
@@ -10352,15 +10348,21 @@
           <p:nvPr/>
         </p:nvPicPr>
         <p:blipFill>
-          <a:blip r:embed="rId11"/>
+          <a:blip r:embed="rId11" cstate="print">
+            <a:extLst>
+              <a:ext uri="{28A0092B-C50C-407E-A947-70E740481C1C}">
+                <a14:useLocalDpi xmlns:a14="http://schemas.microsoft.com/office/drawing/2010/main" val="0"/>
+              </a:ext>
+            </a:extLst>
+          </a:blip>
           <a:stretch>
             <a:fillRect/>
           </a:stretch>
         </p:blipFill>
         <p:spPr>
           <a:xfrm>
-            <a:off x="44464" y="6417760"/>
-            <a:ext cx="1632446" cy="206729"/>
+            <a:off x="60665" y="6433979"/>
+            <a:ext cx="2454084" cy="209310"/>
           </a:xfrm>
           <a:prstGeom prst="rect">
             <a:avLst/>
@@ -10369,10 +10371,10 @@
       </p:pic>
       <p:pic>
         <p:nvPicPr>
-          <p:cNvPr id="14" name="Grafik 13">
+          <p:cNvPr id="7" name="Grafik 6">
             <a:extLst>
               <a:ext uri="{FF2B5EF4-FFF2-40B4-BE49-F238E27FC236}">
-                <a16:creationId xmlns:a16="http://schemas.microsoft.com/office/drawing/2014/main" id="{7503F635-1645-4936-946C-661C86EDF619}"/>
+                <a16:creationId xmlns:a16="http://schemas.microsoft.com/office/drawing/2014/main" id="{648C79FE-8CD4-41BB-ABDC-F5949E14F504}"/>
               </a:ext>
             </a:extLst>
           </p:cNvPr>
@@ -10382,45 +10384,21 @@
           <p:nvPr/>
         </p:nvPicPr>
         <p:blipFill>
-          <a:blip r:embed="rId12"/>
+          <a:blip r:embed="rId12" cstate="print">
+            <a:extLst>
+              <a:ext uri="{28A0092B-C50C-407E-A947-70E740481C1C}">
+                <a14:useLocalDpi xmlns:a14="http://schemas.microsoft.com/office/drawing/2010/main" val="0"/>
+              </a:ext>
+            </a:extLst>
+          </a:blip>
           <a:stretch>
             <a:fillRect/>
           </a:stretch>
         </p:blipFill>
         <p:spPr>
           <a:xfrm>
-            <a:off x="2962125" y="5918519"/>
-            <a:ext cx="1984677" cy="289078"/>
-          </a:xfrm>
-          <a:prstGeom prst="rect">
-            <a:avLst/>
-          </a:prstGeom>
-        </p:spPr>
-      </p:pic>
-      <p:pic>
-        <p:nvPicPr>
-          <p:cNvPr id="15" name="Grafik 14">
-            <a:extLst>
-              <a:ext uri="{FF2B5EF4-FFF2-40B4-BE49-F238E27FC236}">
-                <a16:creationId xmlns:a16="http://schemas.microsoft.com/office/drawing/2014/main" id="{26E7DE98-0F4D-4053-BAD5-AC790174FAD1}"/>
-              </a:ext>
-            </a:extLst>
-          </p:cNvPr>
-          <p:cNvPicPr>
-            <a:picLocks noChangeAspect="1"/>
-          </p:cNvPicPr>
-          <p:nvPr/>
-        </p:nvPicPr>
-        <p:blipFill>
-          <a:blip r:embed="rId13"/>
-          <a:stretch>
-            <a:fillRect/>
-          </a:stretch>
-        </p:blipFill>
-        <p:spPr>
-          <a:xfrm>
-            <a:off x="3736214" y="6769515"/>
-            <a:ext cx="1256680" cy="264564"/>
+            <a:off x="2726297" y="5971609"/>
+            <a:ext cx="2498656" cy="264563"/>
           </a:xfrm>
           <a:prstGeom prst="rect">
             <a:avLst/>
@@ -10431,55 +10409,6 @@
     <p:extLst>
       <p:ext uri="{BB962C8B-B14F-4D97-AF65-F5344CB8AC3E}">
         <p14:creationId xmlns:p14="http://schemas.microsoft.com/office/powerpoint/2010/main" val="2130707470"/>
-      </p:ext>
-    </p:extLst>
-  </p:cSld>
-  <p:clrMapOvr>
-    <a:masterClrMapping/>
-  </p:clrMapOvr>
-</p:sld>
-</file>
-
-<file path=ppt/slides/slide6.xml><?xml version="1.0" encoding="utf-8"?>
-<p:sld xmlns:a="http://schemas.openxmlformats.org/drawingml/2006/main" xmlns:r="http://schemas.openxmlformats.org/officeDocument/2006/relationships" xmlns:p="http://schemas.openxmlformats.org/presentationml/2006/main">
-  <p:cSld>
-    <p:spTree>
-      <p:nvGrpSpPr>
-        <p:cNvPr id="1" name=""/>
-        <p:cNvGrpSpPr/>
-        <p:nvPr/>
-      </p:nvGrpSpPr>
-      <p:grpSpPr>
-        <a:xfrm>
-          <a:off x="0" y="0"/>
-          <a:ext cx="0" cy="0"/>
-          <a:chOff x="0" y="0"/>
-          <a:chExt cx="0" cy="0"/>
-        </a:xfrm>
-      </p:grpSpPr>
-      <p:sp>
-        <p:nvSpPr>
-          <p:cNvPr id="4" name="Inhaltsplatzhalter 3"/>
-          <p:cNvSpPr>
-            <a:spLocks noGrp="1"/>
-          </p:cNvSpPr>
-          <p:nvPr>
-            <p:ph sz="quarter" idx="14"/>
-          </p:nvPr>
-        </p:nvSpPr>
-        <p:spPr/>
-        <p:txBody>
-          <a:bodyPr/>
-          <a:lstStyle/>
-          <a:p>
-            <a:endParaRPr lang="de-DE"/>
-          </a:p>
-        </p:txBody>
-      </p:sp>
-    </p:spTree>
-    <p:extLst>
-      <p:ext uri="{BB962C8B-B14F-4D97-AF65-F5344CB8AC3E}">
-        <p14:creationId xmlns:p14="http://schemas.microsoft.com/office/powerpoint/2010/main" val="1419320017"/>
       </p:ext>
     </p:extLst>
   </p:cSld>

--- a/Handouts/Handouts-Motor_USR_Servo_IR.pptx
+++ b/Handouts/Handouts-Motor_USR_Servo_IR.pptx
@@ -209,7 +209,7 @@
           <a:p>
             <a:fld id="{EBF56900-53CD-4F05-8A09-57F6FC314F09}" type="datetimeFigureOut">
               <a:rPr lang="de-DE" smtClean="0"/>
-              <a:t>25.02.2020</a:t>
+              <a:t>26.02.2020</a:t>
             </a:fld>
             <a:endParaRPr lang="de-DE"/>
           </a:p>
@@ -1088,7 +1088,7 @@
           <a:p>
             <a:fld id="{6EC89F69-2EBA-4449-A568-4BDE987D048B}" type="datetimeFigureOut">
               <a:rPr lang="de-DE" smtClean="0"/>
-              <a:t>25.02.2020</a:t>
+              <a:t>26.02.2020</a:t>
             </a:fld>
             <a:endParaRPr lang="de-DE"/>
           </a:p>
@@ -1258,7 +1258,7 @@
           <a:p>
             <a:fld id="{6EC89F69-2EBA-4449-A568-4BDE987D048B}" type="datetimeFigureOut">
               <a:rPr lang="de-DE" smtClean="0"/>
-              <a:t>25.02.2020</a:t>
+              <a:t>26.02.2020</a:t>
             </a:fld>
             <a:endParaRPr lang="de-DE"/>
           </a:p>
@@ -1438,7 +1438,7 @@
           <a:p>
             <a:fld id="{6EC89F69-2EBA-4449-A568-4BDE987D048B}" type="datetimeFigureOut">
               <a:rPr lang="de-DE" smtClean="0"/>
-              <a:t>25.02.2020</a:t>
+              <a:t>26.02.2020</a:t>
             </a:fld>
             <a:endParaRPr lang="de-DE"/>
           </a:p>
@@ -1630,7 +1630,7 @@
           <a:p>
             <a:fld id="{6EC89F69-2EBA-4449-A568-4BDE987D048B}" type="datetimeFigureOut">
               <a:rPr lang="de-DE" smtClean="0"/>
-              <a:t>25.02.2020</a:t>
+              <a:t>26.02.2020</a:t>
             </a:fld>
             <a:endParaRPr lang="de-DE"/>
           </a:p>
@@ -1833,7 +1833,7 @@
           <a:p>
             <a:fld id="{6EC89F69-2EBA-4449-A568-4BDE987D048B}" type="datetimeFigureOut">
               <a:rPr lang="de-DE" smtClean="0"/>
-              <a:t>25.02.2020</a:t>
+              <a:t>26.02.2020</a:t>
             </a:fld>
             <a:endParaRPr lang="de-DE"/>
           </a:p>
@@ -2077,7 +2077,7 @@
           <a:p>
             <a:fld id="{6EC89F69-2EBA-4449-A568-4BDE987D048B}" type="datetimeFigureOut">
               <a:rPr lang="de-DE" smtClean="0"/>
-              <a:t>25.02.2020</a:t>
+              <a:t>26.02.2020</a:t>
             </a:fld>
             <a:endParaRPr lang="de-DE"/>
           </a:p>
@@ -2309,7 +2309,7 @@
           <a:p>
             <a:fld id="{6EC89F69-2EBA-4449-A568-4BDE987D048B}" type="datetimeFigureOut">
               <a:rPr lang="de-DE" smtClean="0"/>
-              <a:t>25.02.2020</a:t>
+              <a:t>26.02.2020</a:t>
             </a:fld>
             <a:endParaRPr lang="de-DE"/>
           </a:p>
@@ -2676,7 +2676,7 @@
           <a:p>
             <a:fld id="{6EC89F69-2EBA-4449-A568-4BDE987D048B}" type="datetimeFigureOut">
               <a:rPr lang="de-DE" smtClean="0"/>
-              <a:t>25.02.2020</a:t>
+              <a:t>26.02.2020</a:t>
             </a:fld>
             <a:endParaRPr lang="de-DE"/>
           </a:p>
@@ -2794,7 +2794,7 @@
           <a:p>
             <a:fld id="{6EC89F69-2EBA-4449-A568-4BDE987D048B}" type="datetimeFigureOut">
               <a:rPr lang="de-DE" smtClean="0"/>
-              <a:t>25.02.2020</a:t>
+              <a:t>26.02.2020</a:t>
             </a:fld>
             <a:endParaRPr lang="de-DE"/>
           </a:p>
@@ -2889,7 +2889,7 @@
           <a:p>
             <a:fld id="{6EC89F69-2EBA-4449-A568-4BDE987D048B}" type="datetimeFigureOut">
               <a:rPr lang="de-DE" smtClean="0"/>
-              <a:t>25.02.2020</a:t>
+              <a:t>26.02.2020</a:t>
             </a:fld>
             <a:endParaRPr lang="de-DE"/>
           </a:p>
@@ -3166,7 +3166,7 @@
           <a:p>
             <a:fld id="{6EC89F69-2EBA-4449-A568-4BDE987D048B}" type="datetimeFigureOut">
               <a:rPr lang="de-DE" smtClean="0"/>
-              <a:t>25.02.2020</a:t>
+              <a:t>26.02.2020</a:t>
             </a:fld>
             <a:endParaRPr lang="de-DE"/>
           </a:p>
@@ -3379,7 +3379,7 @@
           <a:p>
             <a:fld id="{6EC89F69-2EBA-4449-A568-4BDE987D048B}" type="datetimeFigureOut">
               <a:rPr lang="de-DE" smtClean="0"/>
-              <a:t>25.02.2020</a:t>
+              <a:t>26.02.2020</a:t>
             </a:fld>
             <a:endParaRPr lang="de-DE"/>
           </a:p>
@@ -11916,7 +11916,7 @@
         </p:blipFill>
         <p:spPr>
           <a:xfrm>
-            <a:off x="349705" y="5712655"/>
+            <a:off x="338648" y="5748138"/>
             <a:ext cx="4708109" cy="303477"/>
           </a:xfrm>
           <a:prstGeom prst="rect">

--- a/Handouts/Handouts-Motor_USR_Servo_IR.pptx
+++ b/Handouts/Handouts-Motor_USR_Servo_IR.pptx
@@ -209,7 +209,7 @@
           <a:p>
             <a:fld id="{EBF56900-53CD-4F05-8A09-57F6FC314F09}" type="datetimeFigureOut">
               <a:rPr lang="de-DE" smtClean="0"/>
-              <a:t>26.02.2020</a:t>
+              <a:t>20.05.2020</a:t>
             </a:fld>
             <a:endParaRPr lang="de-DE"/>
           </a:p>
@@ -1088,7 +1088,7 @@
           <a:p>
             <a:fld id="{6EC89F69-2EBA-4449-A568-4BDE987D048B}" type="datetimeFigureOut">
               <a:rPr lang="de-DE" smtClean="0"/>
-              <a:t>26.02.2020</a:t>
+              <a:t>20.05.2020</a:t>
             </a:fld>
             <a:endParaRPr lang="de-DE"/>
           </a:p>
@@ -1258,7 +1258,7 @@
           <a:p>
             <a:fld id="{6EC89F69-2EBA-4449-A568-4BDE987D048B}" type="datetimeFigureOut">
               <a:rPr lang="de-DE" smtClean="0"/>
-              <a:t>26.02.2020</a:t>
+              <a:t>20.05.2020</a:t>
             </a:fld>
             <a:endParaRPr lang="de-DE"/>
           </a:p>
@@ -1438,7 +1438,7 @@
           <a:p>
             <a:fld id="{6EC89F69-2EBA-4449-A568-4BDE987D048B}" type="datetimeFigureOut">
               <a:rPr lang="de-DE" smtClean="0"/>
-              <a:t>26.02.2020</a:t>
+              <a:t>20.05.2020</a:t>
             </a:fld>
             <a:endParaRPr lang="de-DE"/>
           </a:p>
@@ -1630,7 +1630,7 @@
           <a:p>
             <a:fld id="{6EC89F69-2EBA-4449-A568-4BDE987D048B}" type="datetimeFigureOut">
               <a:rPr lang="de-DE" smtClean="0"/>
-              <a:t>26.02.2020</a:t>
+              <a:t>20.05.2020</a:t>
             </a:fld>
             <a:endParaRPr lang="de-DE"/>
           </a:p>
@@ -1833,7 +1833,7 @@
           <a:p>
             <a:fld id="{6EC89F69-2EBA-4449-A568-4BDE987D048B}" type="datetimeFigureOut">
               <a:rPr lang="de-DE" smtClean="0"/>
-              <a:t>26.02.2020</a:t>
+              <a:t>20.05.2020</a:t>
             </a:fld>
             <a:endParaRPr lang="de-DE"/>
           </a:p>
@@ -2077,7 +2077,7 @@
           <a:p>
             <a:fld id="{6EC89F69-2EBA-4449-A568-4BDE987D048B}" type="datetimeFigureOut">
               <a:rPr lang="de-DE" smtClean="0"/>
-              <a:t>26.02.2020</a:t>
+              <a:t>20.05.2020</a:t>
             </a:fld>
             <a:endParaRPr lang="de-DE"/>
           </a:p>
@@ -2309,7 +2309,7 @@
           <a:p>
             <a:fld id="{6EC89F69-2EBA-4449-A568-4BDE987D048B}" type="datetimeFigureOut">
               <a:rPr lang="de-DE" smtClean="0"/>
-              <a:t>26.02.2020</a:t>
+              <a:t>20.05.2020</a:t>
             </a:fld>
             <a:endParaRPr lang="de-DE"/>
           </a:p>
@@ -2676,7 +2676,7 @@
           <a:p>
             <a:fld id="{6EC89F69-2EBA-4449-A568-4BDE987D048B}" type="datetimeFigureOut">
               <a:rPr lang="de-DE" smtClean="0"/>
-              <a:t>26.02.2020</a:t>
+              <a:t>20.05.2020</a:t>
             </a:fld>
             <a:endParaRPr lang="de-DE"/>
           </a:p>
@@ -2794,7 +2794,7 @@
           <a:p>
             <a:fld id="{6EC89F69-2EBA-4449-A568-4BDE987D048B}" type="datetimeFigureOut">
               <a:rPr lang="de-DE" smtClean="0"/>
-              <a:t>26.02.2020</a:t>
+              <a:t>20.05.2020</a:t>
             </a:fld>
             <a:endParaRPr lang="de-DE"/>
           </a:p>
@@ -2889,7 +2889,7 @@
           <a:p>
             <a:fld id="{6EC89F69-2EBA-4449-A568-4BDE987D048B}" type="datetimeFigureOut">
               <a:rPr lang="de-DE" smtClean="0"/>
-              <a:t>26.02.2020</a:t>
+              <a:t>20.05.2020</a:t>
             </a:fld>
             <a:endParaRPr lang="de-DE"/>
           </a:p>
@@ -3166,7 +3166,7 @@
           <a:p>
             <a:fld id="{6EC89F69-2EBA-4449-A568-4BDE987D048B}" type="datetimeFigureOut">
               <a:rPr lang="de-DE" smtClean="0"/>
-              <a:t>26.02.2020</a:t>
+              <a:t>20.05.2020</a:t>
             </a:fld>
             <a:endParaRPr lang="de-DE"/>
           </a:p>
@@ -3379,7 +3379,7 @@
           <a:p>
             <a:fld id="{6EC89F69-2EBA-4449-A568-4BDE987D048B}" type="datetimeFigureOut">
               <a:rPr lang="de-DE" smtClean="0"/>
-              <a:t>26.02.2020</a:t>
+              <a:t>20.05.2020</a:t>
             </a:fld>
             <a:endParaRPr lang="de-DE"/>
           </a:p>
@@ -4960,8 +4960,8 @@
         </p:nvSpPr>
         <p:spPr>
           <a:xfrm>
-            <a:off x="233584" y="5918221"/>
-            <a:ext cx="4798506" cy="1323439"/>
+            <a:off x="229400" y="5805947"/>
+            <a:ext cx="4798506" cy="1631216"/>
           </a:xfrm>
           <a:prstGeom prst="rect">
             <a:avLst/>
@@ -4996,6 +4996,29 @@
               <a:rPr lang="de-DE" sz="1000" dirty="0"/>
               <a:t>(Fortgeschritten – Paket hinzufügen – Grove)</a:t>
             </a:r>
+          </a:p>
+          <a:p>
+            <a:r>
+              <a:rPr lang="de-DE" sz="1000" dirty="0"/>
+              <a:t>        </a:t>
+            </a:r>
+            <a:r>
+              <a:rPr lang="de-DE" sz="1000" i="1" dirty="0"/>
+              <a:t>alternativ unter Paket hinzufügen diese Adresse eingeben:</a:t>
+            </a:r>
+          </a:p>
+          <a:p>
+            <a:r>
+              <a:rPr lang="de-DE" sz="1000" i="1" dirty="0"/>
+              <a:t>        </a:t>
+            </a:r>
+            <a:r>
+              <a:rPr lang="de-DE" sz="1000" i="1" dirty="0">
+                <a:hlinkClick r:id="rId3"/>
+              </a:rPr>
+              <a:t>https://github.com/Seeed-Studio/pxt-grove</a:t>
+            </a:r>
+            <a:endParaRPr lang="de-DE" sz="1000" dirty="0"/>
           </a:p>
           <a:p>
             <a:pPr marL="218056" indent="-218056">
@@ -5049,7 +5072,7 @@
           <p:nvPr/>
         </p:nvPicPr>
         <p:blipFill>
-          <a:blip r:embed="rId3">
+          <a:blip r:embed="rId4">
             <a:extLst>
               <a:ext uri="{28A0092B-C50C-407E-A947-70E740481C1C}">
                 <a14:useLocalDpi xmlns:a14="http://schemas.microsoft.com/office/drawing/2010/main" val="0"/>
@@ -5062,7 +5085,7 @@
         </p:blipFill>
         <p:spPr>
           <a:xfrm>
-            <a:off x="3780085" y="5979686"/>
+            <a:off x="3780085" y="5863127"/>
             <a:ext cx="1318165" cy="416773"/>
           </a:xfrm>
           <a:prstGeom prst="rect">
@@ -5079,7 +5102,7 @@
           <p:nvPr/>
         </p:nvPicPr>
         <p:blipFill>
-          <a:blip r:embed="rId4">
+          <a:blip r:embed="rId5">
             <a:extLst>
               <a:ext uri="{28A0092B-C50C-407E-A947-70E740481C1C}">
                 <a14:useLocalDpi xmlns:a14="http://schemas.microsoft.com/office/drawing/2010/main" val="0"/>
@@ -5092,7 +5115,7 @@
         </p:blipFill>
         <p:spPr>
           <a:xfrm>
-            <a:off x="3780085" y="6396459"/>
+            <a:off x="3780085" y="6272493"/>
             <a:ext cx="1318165" cy="208386"/>
           </a:xfrm>
           <a:prstGeom prst="rect">
@@ -5109,7 +5132,7 @@
           <p:nvPr/>
         </p:nvPicPr>
         <p:blipFill>
-          <a:blip r:embed="rId5">
+          <a:blip r:embed="rId6">
             <a:extLst>
               <a:ext uri="{28A0092B-C50C-407E-A947-70E740481C1C}">
                 <a14:useLocalDpi xmlns:a14="http://schemas.microsoft.com/office/drawing/2010/main" val="0"/>
@@ -5139,7 +5162,7 @@
           <p:nvPr/>
         </p:nvPicPr>
         <p:blipFill>
-          <a:blip r:embed="rId6" cstate="print">
+          <a:blip r:embed="rId7" cstate="print">
             <a:extLst>
               <a:ext uri="{28A0092B-C50C-407E-A947-70E740481C1C}">
                 <a14:useLocalDpi xmlns:a14="http://schemas.microsoft.com/office/drawing/2010/main" val="0"/>
@@ -5256,7 +5279,7 @@
           <p:nvPr/>
         </p:nvPicPr>
         <p:blipFill>
-          <a:blip r:embed="rId7" cstate="print">
+          <a:blip r:embed="rId8" cstate="print">
             <a:extLst>
               <a:ext uri="{28A0092B-C50C-407E-A947-70E740481C1C}">
                 <a14:useLocalDpi xmlns:a14="http://schemas.microsoft.com/office/drawing/2010/main" val="0"/>
@@ -5286,7 +5309,7 @@
           <p:nvPr/>
         </p:nvPicPr>
         <p:blipFill>
-          <a:blip r:embed="rId8" cstate="print">
+          <a:blip r:embed="rId9" cstate="print">
             <a:extLst>
               <a:ext uri="{28A0092B-C50C-407E-A947-70E740481C1C}">
                 <a14:useLocalDpi xmlns:a14="http://schemas.microsoft.com/office/drawing/2010/main" val="0"/>
@@ -5351,7 +5374,7 @@
           <p:nvPr/>
         </p:nvPicPr>
         <p:blipFill>
-          <a:blip r:embed="rId9" cstate="print">
+          <a:blip r:embed="rId10" cstate="print">
             <a:extLst>
               <a:ext uri="{28A0092B-C50C-407E-A947-70E740481C1C}">
                 <a14:useLocalDpi xmlns:a14="http://schemas.microsoft.com/office/drawing/2010/main" val="0"/>
